--- a/Bootcamp-ContinuousDelivery_2.pptx
+++ b/Bootcamp-ContinuousDelivery_2.pptx
@@ -971,15 +971,7 @@
           <a:p>
             <a:r>
               <a:rPr lang="en-US" dirty="0" smtClean="0"/>
-              <a:t>As you promote your application through test, </a:t>
-            </a:r>
-            <a:r>
-              <a:rPr lang="en-US" dirty="0" smtClean="0"/>
-              <a:t>staging </a:t>
-            </a:r>
-            <a:r>
-              <a:rPr lang="en-US" dirty="0" smtClean="0"/>
-              <a:t>and production, there are going to be differences in database connection strings, application settings, web service URLs, and many other parameters.</a:t>
+              <a:t>As you promote your application through test, staging and production, there are going to be differences in database connection strings, application settings, web service URLs, and many other parameters.</a:t>
             </a:r>
           </a:p>
           <a:p>
@@ -4985,7 +4977,7 @@
           <p:cNvPr id="2" name="Title 1">
             <a:extLst>
               <a:ext uri="{FF2B5EF4-FFF2-40B4-BE49-F238E27FC236}">
-                <a16:creationId xmlns="" xmlns:a16="http://schemas.microsoft.com/office/drawing/2014/main" id="{E43653FA-C236-438B-8E8D-48A7F4314C49}"/>
+                <a16:creationId xmlns:a16="http://schemas.microsoft.com/office/drawing/2014/main" xmlns="" id="{E43653FA-C236-438B-8E8D-48A7F4314C49}"/>
               </a:ext>
             </a:extLst>
           </p:cNvPr>
@@ -5013,7 +5005,7 @@
           <p:cNvPr id="4" name="Subtitle 3">
             <a:extLst>
               <a:ext uri="{FF2B5EF4-FFF2-40B4-BE49-F238E27FC236}">
-                <a16:creationId xmlns="" xmlns:a16="http://schemas.microsoft.com/office/drawing/2014/main" id="{C4E31A7C-DBD3-458C-BEC2-8B7296DE3BEB}"/>
+                <a16:creationId xmlns:a16="http://schemas.microsoft.com/office/drawing/2014/main" xmlns="" id="{C4E31A7C-DBD3-458C-BEC2-8B7296DE3BEB}"/>
               </a:ext>
             </a:extLst>
           </p:cNvPr>
@@ -5096,10 +5088,42 @@
           <a:lstStyle/>
           <a:p>
             <a:r>
-              <a:rPr lang="it-IT" sz="2800" dirty="0"/>
-              <a:t>CI vs CD vs CD</a:t>
-            </a:r>
-            <a:endParaRPr lang="en-GB" sz="2800" dirty="0"/>
+              <a:rPr lang="it-IT" sz="1800" dirty="0" err="1"/>
+              <a:t>Continuous</a:t>
+            </a:r>
+            <a:r>
+              <a:rPr lang="it-IT" sz="1800" dirty="0"/>
+              <a:t> </a:t>
+            </a:r>
+            <a:r>
+              <a:rPr lang="it-IT" sz="1800" dirty="0" err="1"/>
+              <a:t>integration</a:t>
+            </a:r>
+            <a:r>
+              <a:rPr lang="it-IT" sz="1800" dirty="0"/>
+              <a:t> vs. </a:t>
+            </a:r>
+            <a:r>
+              <a:rPr lang="it-IT" sz="1800" dirty="0" err="1"/>
+              <a:t>continuous</a:t>
+            </a:r>
+            <a:r>
+              <a:rPr lang="it-IT" sz="1800" dirty="0"/>
+              <a:t> delivery vs. </a:t>
+            </a:r>
+            <a:r>
+              <a:rPr lang="it-IT" sz="1800" dirty="0" err="1"/>
+              <a:t>continuous</a:t>
+            </a:r>
+            <a:r>
+              <a:rPr lang="it-IT" sz="1800" dirty="0"/>
+              <a:t> </a:t>
+            </a:r>
+            <a:r>
+              <a:rPr lang="it-IT" sz="1800" dirty="0" err="1"/>
+              <a:t>deployment</a:t>
+            </a:r>
+            <a:endParaRPr lang="en-GB" sz="1800" dirty="0"/>
           </a:p>
         </p:txBody>
       </p:sp>
@@ -5540,7 +5564,7 @@
           <p:nvPr>
             <p:extLst>
               <p:ext uri="{386F3935-93C4-4BCD-93E2-E3B085C9AB24}">
-                <p16:designElem xmlns="" xmlns:p16="http://schemas.microsoft.com/office/powerpoint/2015/main" val="1"/>
+                <p16:designElem xmlns:p16="http://schemas.microsoft.com/office/powerpoint/2015/main" xmlns="" val="1"/>
               </p:ext>
             </p:extLst>
           </p:nvPr>
@@ -5593,7 +5617,7 @@
           <p:nvPr>
             <p:extLst>
               <p:ext uri="{386F3935-93C4-4BCD-93E2-E3B085C9AB24}">
-                <p16:designElem xmlns="" xmlns:p16="http://schemas.microsoft.com/office/powerpoint/2015/main" val="1"/>
+                <p16:designElem xmlns:p16="http://schemas.microsoft.com/office/powerpoint/2015/main" xmlns="" val="1"/>
               </p:ext>
             </p:extLst>
           </p:nvPr>
@@ -5639,7 +5663,7 @@
           <p:nvPr>
             <p:extLst>
               <p:ext uri="{386F3935-93C4-4BCD-93E2-E3B085C9AB24}">
-                <p16:designElem xmlns="" xmlns:p16="http://schemas.microsoft.com/office/powerpoint/2015/main" val="1"/>
+                <p16:designElem xmlns:p16="http://schemas.microsoft.com/office/powerpoint/2015/main" xmlns="" val="1"/>
               </p:ext>
             </p:extLst>
           </p:nvPr>
@@ -5685,7 +5709,7 @@
           <p:nvPr>
             <p:extLst>
               <p:ext uri="{386F3935-93C4-4BCD-93E2-E3B085C9AB24}">
-                <p16:designElem xmlns="" xmlns:p16="http://schemas.microsoft.com/office/powerpoint/2015/main" val="1"/>
+                <p16:designElem xmlns:p16="http://schemas.microsoft.com/office/powerpoint/2015/main" xmlns="" val="1"/>
               </p:ext>
             </p:extLst>
           </p:nvPr>
@@ -5737,7 +5761,7 @@
           <p:cNvPr id="3" name="Title 2">
             <a:extLst>
               <a:ext uri="{FF2B5EF4-FFF2-40B4-BE49-F238E27FC236}">
-                <a16:creationId xmlns="" xmlns:a16="http://schemas.microsoft.com/office/drawing/2014/main" id="{4A5665C2-CF24-4FDD-8E12-177E5A331057}"/>
+                <a16:creationId xmlns:a16="http://schemas.microsoft.com/office/drawing/2014/main" xmlns="" id="{4A5665C2-CF24-4FDD-8E12-177E5A331057}"/>
               </a:ext>
             </a:extLst>
           </p:cNvPr>
@@ -5791,7 +5815,7 @@
           <p:cNvPr id="5" name="Subtitle 4">
             <a:extLst>
               <a:ext uri="{FF2B5EF4-FFF2-40B4-BE49-F238E27FC236}">
-                <a16:creationId xmlns="" xmlns:a16="http://schemas.microsoft.com/office/drawing/2014/main" id="{F2B8D1D6-6B10-4E3F-8851-D9CEDDB13C4C}"/>
+                <a16:creationId xmlns:a16="http://schemas.microsoft.com/office/drawing/2014/main" xmlns="" id="{F2B8D1D6-6B10-4E3F-8851-D9CEDDB13C4C}"/>
               </a:ext>
             </a:extLst>
           </p:cNvPr>
@@ -6092,7 +6116,7 @@
   <a:extraClrSchemeLst/>
   <a:extLst>
     <a:ext uri="{05A4C25C-085E-4340-85A3-A5531E510DB2}">
-      <thm15:themeFamily xmlns="" xmlns:thm15="http://schemas.microsoft.com/office/thememl/2012/main" name="Frame" id="{F226E7A2-7162-461C-9490-D27D9DC04E43}" vid="{629A0216-3BBD-45C0-B63F-2683BEA18F60}"/>
+      <thm15:themeFamily xmlns:thm15="http://schemas.microsoft.com/office/thememl/2012/main" xmlns="" name="Frame" id="{F226E7A2-7162-461C-9490-D27D9DC04E43}" vid="{629A0216-3BBD-45C0-B63F-2683BEA18F60}"/>
     </a:ext>
   </a:extLst>
 </a:theme>

--- a/Bootcamp-ContinuousDelivery_2.pptx
+++ b/Bootcamp-ContinuousDelivery_2.pptx
@@ -5,16 +5,19 @@
     <p:sldMasterId id="2147483660" r:id="rId1"/>
   </p:sldMasterIdLst>
   <p:notesMasterIdLst>
-    <p:notesMasterId r:id="rId9"/>
+    <p:notesMasterId r:id="rId12"/>
   </p:notesMasterIdLst>
   <p:sldIdLst>
     <p:sldId id="257" r:id="rId2"/>
     <p:sldId id="258" r:id="rId3"/>
     <p:sldId id="259" r:id="rId4"/>
-    <p:sldId id="260" r:id="rId5"/>
-    <p:sldId id="261" r:id="rId6"/>
-    <p:sldId id="262" r:id="rId7"/>
-    <p:sldId id="263" r:id="rId8"/>
+    <p:sldId id="264" r:id="rId5"/>
+    <p:sldId id="268" r:id="rId6"/>
+    <p:sldId id="260" r:id="rId7"/>
+    <p:sldId id="261" r:id="rId8"/>
+    <p:sldId id="262" r:id="rId9"/>
+    <p:sldId id="263" r:id="rId10"/>
+    <p:sldId id="267" r:id="rId11"/>
   </p:sldIdLst>
   <p:sldSz cx="9144000" cy="5143500" type="screen16x9"/>
   <p:notesSz cx="6858000" cy="9144000"/>
@@ -22,7 +25,7 @@
     <a:defPPr>
       <a:defRPr lang="en-US"/>
     </a:defPPr>
-    <a:lvl1pPr marL="0" algn="l" defTabSz="914400" rtl="0" eaLnBrk="1" latinLnBrk="0" hangingPunct="1">
+    <a:lvl1pPr marL="0" algn="l" defTabSz="914355" rtl="0" eaLnBrk="1" latinLnBrk="0" hangingPunct="1">
       <a:defRPr sz="1800" kern="1200">
         <a:solidFill>
           <a:schemeClr val="tx1"/>
@@ -32,7 +35,7 @@
         <a:cs typeface="+mn-cs"/>
       </a:defRPr>
     </a:lvl1pPr>
-    <a:lvl2pPr marL="457200" algn="l" defTabSz="914400" rtl="0" eaLnBrk="1" latinLnBrk="0" hangingPunct="1">
+    <a:lvl2pPr marL="457178" algn="l" defTabSz="914355" rtl="0" eaLnBrk="1" latinLnBrk="0" hangingPunct="1">
       <a:defRPr sz="1800" kern="1200">
         <a:solidFill>
           <a:schemeClr val="tx1"/>
@@ -42,7 +45,7 @@
         <a:cs typeface="+mn-cs"/>
       </a:defRPr>
     </a:lvl2pPr>
-    <a:lvl3pPr marL="914400" algn="l" defTabSz="914400" rtl="0" eaLnBrk="1" latinLnBrk="0" hangingPunct="1">
+    <a:lvl3pPr marL="914355" algn="l" defTabSz="914355" rtl="0" eaLnBrk="1" latinLnBrk="0" hangingPunct="1">
       <a:defRPr sz="1800" kern="1200">
         <a:solidFill>
           <a:schemeClr val="tx1"/>
@@ -52,7 +55,7 @@
         <a:cs typeface="+mn-cs"/>
       </a:defRPr>
     </a:lvl3pPr>
-    <a:lvl4pPr marL="1371600" algn="l" defTabSz="914400" rtl="0" eaLnBrk="1" latinLnBrk="0" hangingPunct="1">
+    <a:lvl4pPr marL="1371532" algn="l" defTabSz="914355" rtl="0" eaLnBrk="1" latinLnBrk="0" hangingPunct="1">
       <a:defRPr sz="1800" kern="1200">
         <a:solidFill>
           <a:schemeClr val="tx1"/>
@@ -62,7 +65,7 @@
         <a:cs typeface="+mn-cs"/>
       </a:defRPr>
     </a:lvl4pPr>
-    <a:lvl5pPr marL="1828800" algn="l" defTabSz="914400" rtl="0" eaLnBrk="1" latinLnBrk="0" hangingPunct="1">
+    <a:lvl5pPr marL="1828709" algn="l" defTabSz="914355" rtl="0" eaLnBrk="1" latinLnBrk="0" hangingPunct="1">
       <a:defRPr sz="1800" kern="1200">
         <a:solidFill>
           <a:schemeClr val="tx1"/>
@@ -72,7 +75,7 @@
         <a:cs typeface="+mn-cs"/>
       </a:defRPr>
     </a:lvl5pPr>
-    <a:lvl6pPr marL="2286000" algn="l" defTabSz="914400" rtl="0" eaLnBrk="1" latinLnBrk="0" hangingPunct="1">
+    <a:lvl6pPr marL="2285886" algn="l" defTabSz="914355" rtl="0" eaLnBrk="1" latinLnBrk="0" hangingPunct="1">
       <a:defRPr sz="1800" kern="1200">
         <a:solidFill>
           <a:schemeClr val="tx1"/>
@@ -82,7 +85,7 @@
         <a:cs typeface="+mn-cs"/>
       </a:defRPr>
     </a:lvl6pPr>
-    <a:lvl7pPr marL="2743200" algn="l" defTabSz="914400" rtl="0" eaLnBrk="1" latinLnBrk="0" hangingPunct="1">
+    <a:lvl7pPr marL="2743064" algn="l" defTabSz="914355" rtl="0" eaLnBrk="1" latinLnBrk="0" hangingPunct="1">
       <a:defRPr sz="1800" kern="1200">
         <a:solidFill>
           <a:schemeClr val="tx1"/>
@@ -92,7 +95,7 @@
         <a:cs typeface="+mn-cs"/>
       </a:defRPr>
     </a:lvl7pPr>
-    <a:lvl8pPr marL="3200400" algn="l" defTabSz="914400" rtl="0" eaLnBrk="1" latinLnBrk="0" hangingPunct="1">
+    <a:lvl8pPr marL="3200240" algn="l" defTabSz="914355" rtl="0" eaLnBrk="1" latinLnBrk="0" hangingPunct="1">
       <a:defRPr sz="1800" kern="1200">
         <a:solidFill>
           <a:schemeClr val="tx1"/>
@@ -102,7 +105,7 @@
         <a:cs typeface="+mn-cs"/>
       </a:defRPr>
     </a:lvl8pPr>
-    <a:lvl9pPr marL="3657600" algn="l" defTabSz="914400" rtl="0" eaLnBrk="1" latinLnBrk="0" hangingPunct="1">
+    <a:lvl9pPr marL="3657418" algn="l" defTabSz="914355" rtl="0" eaLnBrk="1" latinLnBrk="0" hangingPunct="1">
       <a:defRPr sz="1800" kern="1200">
         <a:solidFill>
           <a:schemeClr val="tx1"/>
@@ -372,7 +375,7 @@
   </p:cSld>
   <p:clrMap bg1="lt1" tx1="dk1" bg2="lt2" tx2="dk2" accent1="accent1" accent2="accent2" accent3="accent3" accent4="accent4" accent5="accent5" accent6="accent6" hlink="hlink" folHlink="folHlink"/>
   <p:notesStyle>
-    <a:lvl1pPr marL="0" algn="l" defTabSz="914400" rtl="0" eaLnBrk="1" latinLnBrk="0" hangingPunct="1">
+    <a:lvl1pPr marL="0" algn="l" defTabSz="914355" rtl="0" eaLnBrk="1" latinLnBrk="0" hangingPunct="1">
       <a:defRPr sz="1200" kern="1200">
         <a:solidFill>
           <a:schemeClr val="tx1"/>
@@ -382,7 +385,7 @@
         <a:cs typeface="+mn-cs"/>
       </a:defRPr>
     </a:lvl1pPr>
-    <a:lvl2pPr marL="457200" algn="l" defTabSz="914400" rtl="0" eaLnBrk="1" latinLnBrk="0" hangingPunct="1">
+    <a:lvl2pPr marL="457178" algn="l" defTabSz="914355" rtl="0" eaLnBrk="1" latinLnBrk="0" hangingPunct="1">
       <a:defRPr sz="1200" kern="1200">
         <a:solidFill>
           <a:schemeClr val="tx1"/>
@@ -392,7 +395,7 @@
         <a:cs typeface="+mn-cs"/>
       </a:defRPr>
     </a:lvl2pPr>
-    <a:lvl3pPr marL="914400" algn="l" defTabSz="914400" rtl="0" eaLnBrk="1" latinLnBrk="0" hangingPunct="1">
+    <a:lvl3pPr marL="914355" algn="l" defTabSz="914355" rtl="0" eaLnBrk="1" latinLnBrk="0" hangingPunct="1">
       <a:defRPr sz="1200" kern="1200">
         <a:solidFill>
           <a:schemeClr val="tx1"/>
@@ -402,7 +405,7 @@
         <a:cs typeface="+mn-cs"/>
       </a:defRPr>
     </a:lvl3pPr>
-    <a:lvl4pPr marL="1371600" algn="l" defTabSz="914400" rtl="0" eaLnBrk="1" latinLnBrk="0" hangingPunct="1">
+    <a:lvl4pPr marL="1371532" algn="l" defTabSz="914355" rtl="0" eaLnBrk="1" latinLnBrk="0" hangingPunct="1">
       <a:defRPr sz="1200" kern="1200">
         <a:solidFill>
           <a:schemeClr val="tx1"/>
@@ -412,7 +415,7 @@
         <a:cs typeface="+mn-cs"/>
       </a:defRPr>
     </a:lvl4pPr>
-    <a:lvl5pPr marL="1828800" algn="l" defTabSz="914400" rtl="0" eaLnBrk="1" latinLnBrk="0" hangingPunct="1">
+    <a:lvl5pPr marL="1828709" algn="l" defTabSz="914355" rtl="0" eaLnBrk="1" latinLnBrk="0" hangingPunct="1">
       <a:defRPr sz="1200" kern="1200">
         <a:solidFill>
           <a:schemeClr val="tx1"/>
@@ -422,7 +425,7 @@
         <a:cs typeface="+mn-cs"/>
       </a:defRPr>
     </a:lvl5pPr>
-    <a:lvl6pPr marL="2286000" algn="l" defTabSz="914400" rtl="0" eaLnBrk="1" latinLnBrk="0" hangingPunct="1">
+    <a:lvl6pPr marL="2285886" algn="l" defTabSz="914355" rtl="0" eaLnBrk="1" latinLnBrk="0" hangingPunct="1">
       <a:defRPr sz="1200" kern="1200">
         <a:solidFill>
           <a:schemeClr val="tx1"/>
@@ -432,7 +435,7 @@
         <a:cs typeface="+mn-cs"/>
       </a:defRPr>
     </a:lvl6pPr>
-    <a:lvl7pPr marL="2743200" algn="l" defTabSz="914400" rtl="0" eaLnBrk="1" latinLnBrk="0" hangingPunct="1">
+    <a:lvl7pPr marL="2743064" algn="l" defTabSz="914355" rtl="0" eaLnBrk="1" latinLnBrk="0" hangingPunct="1">
       <a:defRPr sz="1200" kern="1200">
         <a:solidFill>
           <a:schemeClr val="tx1"/>
@@ -442,7 +445,7 @@
         <a:cs typeface="+mn-cs"/>
       </a:defRPr>
     </a:lvl7pPr>
-    <a:lvl8pPr marL="3200400" algn="l" defTabSz="914400" rtl="0" eaLnBrk="1" latinLnBrk="0" hangingPunct="1">
+    <a:lvl8pPr marL="3200240" algn="l" defTabSz="914355" rtl="0" eaLnBrk="1" latinLnBrk="0" hangingPunct="1">
       <a:defRPr sz="1200" kern="1200">
         <a:solidFill>
           <a:schemeClr val="tx1"/>
@@ -452,7 +455,7 @@
         <a:cs typeface="+mn-cs"/>
       </a:defRPr>
     </a:lvl8pPr>
-    <a:lvl9pPr marL="3657600" algn="l" defTabSz="914400" rtl="0" eaLnBrk="1" latinLnBrk="0" hangingPunct="1">
+    <a:lvl9pPr marL="3657418" algn="l" defTabSz="914355" rtl="0" eaLnBrk="1" latinLnBrk="0" hangingPunct="1">
       <a:defRPr sz="1200" kern="1200">
         <a:solidFill>
           <a:schemeClr val="tx1"/>
@@ -564,6 +567,90 @@
 </p:notes>
 </file>
 
+<file path=ppt/notesSlides/notesSlide10.xml><?xml version="1.0" encoding="utf-8"?>
+<p:notes xmlns:a="http://schemas.openxmlformats.org/drawingml/2006/main" xmlns:r="http://schemas.openxmlformats.org/officeDocument/2006/relationships" xmlns:p="http://schemas.openxmlformats.org/presentationml/2006/main">
+  <p:cSld>
+    <p:spTree>
+      <p:nvGrpSpPr>
+        <p:cNvPr id="1" name=""/>
+        <p:cNvGrpSpPr/>
+        <p:nvPr/>
+      </p:nvGrpSpPr>
+      <p:grpSpPr>
+        <a:xfrm>
+          <a:off x="0" y="0"/>
+          <a:ext cx="0" cy="0"/>
+          <a:chOff x="0" y="0"/>
+          <a:chExt cx="0" cy="0"/>
+        </a:xfrm>
+      </p:grpSpPr>
+      <p:sp>
+        <p:nvSpPr>
+          <p:cNvPr id="2" name="Slide Image Placeholder 1"/>
+          <p:cNvSpPr>
+            <a:spLocks noGrp="1" noRot="1" noChangeAspect="1"/>
+          </p:cNvSpPr>
+          <p:nvPr>
+            <p:ph type="sldImg"/>
+          </p:nvPr>
+        </p:nvSpPr>
+        <p:spPr/>
+      </p:sp>
+      <p:sp>
+        <p:nvSpPr>
+          <p:cNvPr id="3" name="Notes Placeholder 2"/>
+          <p:cNvSpPr>
+            <a:spLocks noGrp="1"/>
+          </p:cNvSpPr>
+          <p:nvPr>
+            <p:ph type="body" idx="1"/>
+          </p:nvPr>
+        </p:nvSpPr>
+        <p:spPr/>
+        <p:txBody>
+          <a:bodyPr/>
+          <a:lstStyle/>
+          <a:p>
+            <a:endParaRPr lang="en-US" dirty="0" smtClean="0"/>
+          </a:p>
+        </p:txBody>
+      </p:sp>
+      <p:sp>
+        <p:nvSpPr>
+          <p:cNvPr id="4" name="Slide Number Placeholder 3"/>
+          <p:cNvSpPr>
+            <a:spLocks noGrp="1"/>
+          </p:cNvSpPr>
+          <p:nvPr>
+            <p:ph type="sldNum" sz="quarter" idx="10"/>
+          </p:nvPr>
+        </p:nvSpPr>
+        <p:spPr/>
+        <p:txBody>
+          <a:bodyPr/>
+          <a:lstStyle/>
+          <a:p>
+            <a:fld id="{F4B107D5-4338-4B74-86B0-BB2063390F7B}" type="slidenum">
+              <a:rPr lang="en-GB" smtClean="0"/>
+              <a:t>10</a:t>
+            </a:fld>
+            <a:endParaRPr lang="en-GB"/>
+          </a:p>
+        </p:txBody>
+      </p:sp>
+    </p:spTree>
+    <p:extLst>
+      <p:ext uri="{BB962C8B-B14F-4D97-AF65-F5344CB8AC3E}">
+        <p14:creationId xmlns:p14="http://schemas.microsoft.com/office/powerpoint/2010/main" val="1371150150"/>
+      </p:ext>
+    </p:extLst>
+  </p:cSld>
+  <p:clrMapOvr>
+    <a:masterClrMapping/>
+  </p:clrMapOvr>
+</p:notes>
+</file>
+
 <file path=ppt/notesSlides/notesSlide2.xml><?xml version="1.0" encoding="utf-8"?>
 <p:notes xmlns:a="http://schemas.openxmlformats.org/drawingml/2006/main" xmlns:r="http://schemas.openxmlformats.org/officeDocument/2006/relationships" xmlns:p="http://schemas.openxmlformats.org/presentationml/2006/main">
   <p:cSld>
@@ -610,7 +697,24 @@
           <a:p>
             <a:r>
               <a:rPr lang="en-US" dirty="0" smtClean="0"/>
-              <a:t>Continuous delivery is an extension of continuous integration to make sure that you can release new changes to your customers quickly in a sustainable way. This means that on top of having automated your testing, you also have automated your release process and you can deploy your application at any point of time by clicking on a button.</a:t>
+              <a:t>Continuous delivery is an extension of continuous integration to make sure that you can release new changes to your customers quickly in a sustainable </a:t>
+            </a:r>
+            <a:r>
+              <a:rPr lang="en-US" dirty="0" smtClean="0"/>
+              <a:t>way.</a:t>
+            </a:r>
+          </a:p>
+          <a:p>
+            <a:endParaRPr lang="en-US" dirty="0" smtClean="0"/>
+          </a:p>
+          <a:p>
+            <a:r>
+              <a:rPr lang="en-US" dirty="0" smtClean="0"/>
+              <a:t>This </a:t>
+            </a:r>
+            <a:r>
+              <a:rPr lang="en-US" dirty="0" smtClean="0"/>
+              <a:t>means that on top of having automated your testing, you also have automated your release process and you can deploy your application at any point of time by clicking on a button.</a:t>
             </a:r>
           </a:p>
           <a:p>
@@ -738,26 +842,37 @@
               <a:rPr lang="en-GB" baseline="0" dirty="0" err="1" smtClean="0"/>
               <a:t>ProGet</a:t>
             </a:r>
+            <a:r>
+              <a:rPr lang="en-GB" baseline="0" dirty="0" smtClean="0"/>
+              <a:t>.</a:t>
+            </a:r>
+          </a:p>
+          <a:p>
             <a:endParaRPr lang="en-GB" baseline="0" dirty="0" smtClean="0"/>
           </a:p>
           <a:p>
+            <a:r>
+              <a:rPr lang="en-US" baseline="0" dirty="0" err="1" smtClean="0"/>
+              <a:t>ProGet</a:t>
+            </a:r>
+            <a:r>
+              <a:rPr lang="en-US" baseline="0" dirty="0" smtClean="0"/>
+              <a:t> is a package management system. It allows us to host and manage ASOS-wide package management feeds.</a:t>
+            </a:r>
+          </a:p>
+          <a:p>
             <a:endParaRPr lang="en-GB" baseline="0" dirty="0" smtClean="0"/>
           </a:p>
           <a:p>
             <a:r>
               <a:rPr lang="en-GB" baseline="0" dirty="0" smtClean="0"/>
-              <a:t>After packaging, TeamCity then orchestrates Octopus Deploy to create a release</a:t>
-            </a:r>
-          </a:p>
-          <a:p>
+              <a:t>After packaging, TeamCity then orchestrates Octopus Deploy to create a </a:t>
+            </a:r>
+            <a:r>
+              <a:rPr lang="en-GB" baseline="0" dirty="0" smtClean="0"/>
+              <a:t>release.</a:t>
+            </a:r>
             <a:endParaRPr lang="en-GB" baseline="0" dirty="0" smtClean="0"/>
-          </a:p>
-          <a:p>
-            <a:r>
-              <a:rPr lang="en-GB" baseline="0" dirty="0" smtClean="0"/>
-              <a:t>A release is a snapshot of Octopus Deploy at the time it is created – including variables, process etc.</a:t>
-            </a:r>
-            <a:endParaRPr lang="en-GB" dirty="0"/>
           </a:p>
         </p:txBody>
       </p:sp>
@@ -841,51 +956,7 @@
           <a:bodyPr/>
           <a:lstStyle/>
           <a:p>
-            <a:r>
-              <a:rPr lang="en-GB" dirty="0" smtClean="0"/>
-              <a:t>Environments are</a:t>
-            </a:r>
-            <a:r>
-              <a:rPr lang="en-GB" baseline="0" dirty="0" smtClean="0"/>
-              <a:t> groups of machines.</a:t>
-            </a:r>
-          </a:p>
-          <a:p>
-            <a:endParaRPr lang="en-GB" baseline="0" dirty="0" smtClean="0"/>
-          </a:p>
-          <a:p>
-            <a:r>
-              <a:rPr lang="en-GB" baseline="0" dirty="0" smtClean="0"/>
-              <a:t>Each machine inside the environment runs an Octopus Deploy tentacle as a Windows Service.</a:t>
-            </a:r>
-          </a:p>
-          <a:p>
-            <a:endParaRPr lang="en-GB" baseline="0" dirty="0" smtClean="0"/>
-          </a:p>
-          <a:p>
-            <a:r>
-              <a:rPr lang="en-US" dirty="0" smtClean="0"/>
-              <a:t>Tentacle is a secure, lightweight agent service that Octopus uses to deploy software.</a:t>
-            </a:r>
-          </a:p>
-          <a:p>
-            <a:endParaRPr lang="en-US" dirty="0" smtClean="0"/>
-          </a:p>
-          <a:p>
-            <a:r>
-              <a:rPr lang="en-US" dirty="0" smtClean="0"/>
-              <a:t>In essence, Tentacle is a job runner. It waits for Octopus to give it a job (deploy a package, run a script), and it executes it, reporting the progress and result back to the Octopus server.</a:t>
-            </a:r>
-          </a:p>
-          <a:p>
-            <a:endParaRPr lang="en-US" dirty="0" smtClean="0"/>
-          </a:p>
-          <a:p>
-            <a:r>
-              <a:rPr lang="en-US" dirty="0" smtClean="0"/>
-              <a:t>Machine roles allow you to “tag” machines with a specific keyword which you can later on use to scope deployment steps and/or variables.</a:t>
-            </a:r>
-            <a:endParaRPr lang="en-US" dirty="0"/>
+            <a:endParaRPr lang="en-GB" dirty="0"/>
           </a:p>
         </p:txBody>
       </p:sp>
@@ -915,7 +986,7 @@
     </p:spTree>
     <p:extLst>
       <p:ext uri="{BB962C8B-B14F-4D97-AF65-F5344CB8AC3E}">
-        <p14:creationId xmlns:p14="http://schemas.microsoft.com/office/powerpoint/2010/main" val="507536182"/>
+        <p14:creationId xmlns:p14="http://schemas.microsoft.com/office/powerpoint/2010/main" val="1230757613"/>
       </p:ext>
     </p:extLst>
   </p:cSld>
@@ -971,7 +1042,7 @@
           <a:p>
             <a:r>
               <a:rPr lang="en-US" dirty="0" smtClean="0"/>
-              <a:t>As you promote your application through test, staging and production, there are going to be differences in database connection strings, application settings, web service URLs, and many other parameters.</a:t>
+              <a:t>There are two important concepts involved in deploying your Octopus projects: releases and deployments.</a:t>
             </a:r>
           </a:p>
           <a:p>
@@ -980,7 +1051,7 @@
           <a:p>
             <a:r>
               <a:rPr lang="en-US" dirty="0" smtClean="0"/>
-              <a:t>To make it easy to support different environments without hard-coding these configuration values, you can define variables related to your project. These variables are used during your application deployment. For example, variables you define will be automatically substituted into XML configuration files, and made available to your PowerShell scripts. This allows you to create applications and deployment scripts that are agnostic of the target environment.</a:t>
+              <a:t>A project within Octopus Deploy is like a recipe that describes the steps (instructions) and variables (ingredients) required to deploy your apps and services.</a:t>
             </a:r>
           </a:p>
           <a:p>
@@ -989,7 +1060,7 @@
           <a:p>
             <a:r>
               <a:rPr lang="en-US" dirty="0" smtClean="0"/>
-              <a:t>Variables are essentially name/value pairs with optional scope rules applied. You can edit the variables using the Variables tab within a project.</a:t>
+              <a:t>A release captures all the project and package details so it be deployed over and over in a safe and repeatable way. A deployment is the execution of the steps to deploy a release to an environment. An individual release can be deployed numerous times to different environments.</a:t>
             </a:r>
             <a:endParaRPr lang="en-GB" dirty="0"/>
           </a:p>
@@ -1021,7 +1092,7 @@
     </p:spTree>
     <p:extLst>
       <p:ext uri="{BB962C8B-B14F-4D97-AF65-F5344CB8AC3E}">
-        <p14:creationId xmlns:p14="http://schemas.microsoft.com/office/powerpoint/2010/main" val="4169881407"/>
+        <p14:creationId xmlns:p14="http://schemas.microsoft.com/office/powerpoint/2010/main" val="1230757613"/>
       </p:ext>
     </p:extLst>
   </p:cSld>
@@ -1076,8 +1147,30 @@
           <a:lstStyle/>
           <a:p>
             <a:r>
+              <a:rPr lang="en-GB" dirty="0" smtClean="0"/>
+              <a:t>Environments are</a:t>
+            </a:r>
+            <a:r>
+              <a:rPr lang="en-GB" baseline="0" dirty="0" smtClean="0"/>
+              <a:t> groups of machines.</a:t>
+            </a:r>
+          </a:p>
+          <a:p>
+            <a:endParaRPr lang="en-GB" baseline="0" dirty="0" smtClean="0"/>
+          </a:p>
+          <a:p>
+            <a:r>
+              <a:rPr lang="en-GB" baseline="0" dirty="0" smtClean="0"/>
+              <a:t>Each machine inside the environment runs an Octopus Deploy tentacle as a Windows Service.</a:t>
+            </a:r>
+          </a:p>
+          <a:p>
+            <a:endParaRPr lang="en-GB" baseline="0" dirty="0" smtClean="0"/>
+          </a:p>
+          <a:p>
+            <a:r>
               <a:rPr lang="en-US" dirty="0" smtClean="0"/>
-              <a:t>To allow you to define different values for variables depending on where you are deploying, variables can be scoped.</a:t>
+              <a:t>Tentacle is a secure, lightweight agent service that Octopus uses to deploy software.</a:t>
             </a:r>
           </a:p>
           <a:p>
@@ -1086,7 +1179,7 @@
           <a:p>
             <a:r>
               <a:rPr lang="en-US" dirty="0" smtClean="0"/>
-              <a:t>Variables can be scoped by:</a:t>
+              <a:t>In essence, Tentacle is a job runner. It waits for Octopus to give it a job (deploy a package, run a script), and it executes it, reporting the progress and result back to the Octopus server.</a:t>
             </a:r>
           </a:p>
           <a:p>
@@ -1094,101 +1187,18 @@
           </a:p>
           <a:p>
             <a:r>
-              <a:rPr lang="en-US" baseline="0" dirty="0" smtClean="0"/>
-              <a:t>    </a:t>
-            </a:r>
-            <a:r>
               <a:rPr lang="en-US" dirty="0" smtClean="0"/>
-              <a:t>Environments (most common)</a:t>
-            </a:r>
-          </a:p>
-          <a:p>
+              <a:t>Machine roles allow you to </a:t>
+            </a:r>
             <a:r>
               <a:rPr lang="en-US" dirty="0" smtClean="0"/>
-              <a:t>    Specific machines</a:t>
-            </a:r>
-          </a:p>
-          <a:p>
+              <a:t>“tag” </a:t>
+            </a:r>
             <a:r>
               <a:rPr lang="en-US" dirty="0" smtClean="0"/>
-              <a:t>    Specific machine roles</a:t>
-            </a:r>
-          </a:p>
-          <a:p>
-            <a:r>
-              <a:rPr lang="en-US" dirty="0" smtClean="0"/>
-              <a:t>    Specific deployment steps</a:t>
-            </a:r>
-          </a:p>
-          <a:p>
-            <a:endParaRPr lang="en-US" dirty="0" smtClean="0"/>
-          </a:p>
-          <a:p>
-            <a:r>
-              <a:rPr lang="en-US" dirty="0" smtClean="0"/>
-              <a:t>Since variables can be scoped in many different ways, there needs to be a predictable, deterministic order in which they are resolved. The list below is the priority in which variable scopes take precedence - the top items are considered higher priority than the bottom ones:</a:t>
-            </a:r>
-          </a:p>
-          <a:p>
-            <a:endParaRPr lang="en-US" dirty="0" smtClean="0"/>
-          </a:p>
-          <a:p>
-            <a:r>
-              <a:rPr lang="en-US" baseline="0" dirty="0" smtClean="0"/>
-              <a:t>    </a:t>
-            </a:r>
-            <a:r>
-              <a:rPr lang="en-US" dirty="0" smtClean="0"/>
-              <a:t>The current step/action (most specific)</a:t>
-            </a:r>
-          </a:p>
-          <a:p>
-            <a:r>
-              <a:rPr lang="en-US" dirty="0" smtClean="0"/>
-              <a:t>    The current machine</a:t>
-            </a:r>
-          </a:p>
-          <a:p>
-            <a:r>
-              <a:rPr lang="en-US" dirty="0" smtClean="0"/>
-              <a:t>    Roles applied to the current machine and targeted by the current step</a:t>
-            </a:r>
-          </a:p>
-          <a:p>
-            <a:r>
-              <a:rPr lang="en-US" dirty="0" smtClean="0"/>
-              <a:t>    Roles applied to the current machine</a:t>
-            </a:r>
-          </a:p>
-          <a:p>
-            <a:r>
-              <a:rPr lang="en-US" dirty="0" smtClean="0"/>
-              <a:t>    The target tenant (if tenant-features are enabled)</a:t>
-            </a:r>
-          </a:p>
-          <a:p>
-            <a:r>
-              <a:rPr lang="en-US" dirty="0" smtClean="0"/>
-              <a:t>    The target tenant-tag (if tenant-features are enabled)</a:t>
-            </a:r>
-          </a:p>
-          <a:p>
-            <a:r>
-              <a:rPr lang="en-US" dirty="0" smtClean="0"/>
-              <a:t>    The target environment</a:t>
-            </a:r>
-          </a:p>
-          <a:p>
-            <a:r>
-              <a:rPr lang="en-US" dirty="0" smtClean="0"/>
-              <a:t>    The target channel (if channels are enabled)</a:t>
-            </a:r>
-          </a:p>
-          <a:p>
-            <a:r>
-              <a:rPr lang="en-US" dirty="0" smtClean="0"/>
-              <a:t>    No scope (least specific)</a:t>
-            </a:r>
+              <a:t>machines with a specific keyword which you can later on use to scope deployment steps and/or variables.</a:t>
+            </a:r>
+            <a:endParaRPr lang="en-US" dirty="0"/>
           </a:p>
         </p:txBody>
       </p:sp>
@@ -1218,7 +1228,7 @@
     </p:spTree>
     <p:extLst>
       <p:ext uri="{BB962C8B-B14F-4D97-AF65-F5344CB8AC3E}">
-        <p14:creationId xmlns:p14="http://schemas.microsoft.com/office/powerpoint/2010/main" val="1371150150"/>
+        <p14:creationId xmlns:p14="http://schemas.microsoft.com/office/powerpoint/2010/main" val="507536182"/>
       </p:ext>
     </p:extLst>
   </p:cSld>
@@ -1272,6 +1282,339 @@
           <a:bodyPr/>
           <a:lstStyle/>
           <a:p>
+            <a:r>
+              <a:rPr lang="en-US" dirty="0" smtClean="0"/>
+              <a:t>As you promote your application through </a:t>
+            </a:r>
+            <a:r>
+              <a:rPr lang="en-US" dirty="0" smtClean="0"/>
+              <a:t>testing, </a:t>
+            </a:r>
+            <a:r>
+              <a:rPr lang="en-US" dirty="0" smtClean="0"/>
+              <a:t>staging and production, there are going to be differences in database connection strings, application settings, web service URLs, and many other parameters.</a:t>
+            </a:r>
+          </a:p>
+          <a:p>
+            <a:endParaRPr lang="en-US" dirty="0" smtClean="0"/>
+          </a:p>
+          <a:p>
+            <a:r>
+              <a:rPr lang="en-US" dirty="0" smtClean="0"/>
+              <a:t>To make it easy to support different environments without hard-coding these configuration values, you can define variables related to your project. These variables are used during your application deployment. For example, variables you define will be automatically substituted into XML configuration files, and made available to your PowerShell scripts. This allows you to create applications and deployment scripts that are agnostic of the target environment.</a:t>
+            </a:r>
+          </a:p>
+          <a:p>
+            <a:endParaRPr lang="en-US" dirty="0" smtClean="0"/>
+          </a:p>
+          <a:p>
+            <a:r>
+              <a:rPr lang="en-US" dirty="0" smtClean="0"/>
+              <a:t>Variables are essentially name/value pairs with optional scope rules applied. You can edit the variables using the Variables tab within a project</a:t>
+            </a:r>
+            <a:r>
+              <a:rPr lang="en-US" dirty="0" smtClean="0"/>
+              <a:t>.</a:t>
+            </a:r>
+          </a:p>
+          <a:p>
+            <a:endParaRPr lang="en-US" dirty="0" smtClean="0"/>
+          </a:p>
+          <a:p>
+            <a:r>
+              <a:rPr lang="en-US" dirty="0" smtClean="0"/>
+              <a:t>Library variable sets make it possible to share variables between projects.</a:t>
+            </a:r>
+            <a:endParaRPr lang="en-GB" dirty="0"/>
+          </a:p>
+        </p:txBody>
+      </p:sp>
+      <p:sp>
+        <p:nvSpPr>
+          <p:cNvPr id="4" name="Slide Number Placeholder 3"/>
+          <p:cNvSpPr>
+            <a:spLocks noGrp="1"/>
+          </p:cNvSpPr>
+          <p:nvPr>
+            <p:ph type="sldNum" sz="quarter" idx="10"/>
+          </p:nvPr>
+        </p:nvSpPr>
+        <p:spPr/>
+        <p:txBody>
+          <a:bodyPr/>
+          <a:lstStyle/>
+          <a:p>
+            <a:fld id="{F4B107D5-4338-4B74-86B0-BB2063390F7B}" type="slidenum">
+              <a:rPr lang="en-GB" smtClean="0"/>
+              <a:t>7</a:t>
+            </a:fld>
+            <a:endParaRPr lang="en-GB"/>
+          </a:p>
+        </p:txBody>
+      </p:sp>
+    </p:spTree>
+    <p:extLst>
+      <p:ext uri="{BB962C8B-B14F-4D97-AF65-F5344CB8AC3E}">
+        <p14:creationId xmlns:p14="http://schemas.microsoft.com/office/powerpoint/2010/main" val="4169881407"/>
+      </p:ext>
+    </p:extLst>
+  </p:cSld>
+  <p:clrMapOvr>
+    <a:masterClrMapping/>
+  </p:clrMapOvr>
+</p:notes>
+</file>
+
+<file path=ppt/notesSlides/notesSlide8.xml><?xml version="1.0" encoding="utf-8"?>
+<p:notes xmlns:a="http://schemas.openxmlformats.org/drawingml/2006/main" xmlns:r="http://schemas.openxmlformats.org/officeDocument/2006/relationships" xmlns:p="http://schemas.openxmlformats.org/presentationml/2006/main">
+  <p:cSld>
+    <p:spTree>
+      <p:nvGrpSpPr>
+        <p:cNvPr id="1" name=""/>
+        <p:cNvGrpSpPr/>
+        <p:nvPr/>
+      </p:nvGrpSpPr>
+      <p:grpSpPr>
+        <a:xfrm>
+          <a:off x="0" y="0"/>
+          <a:ext cx="0" cy="0"/>
+          <a:chOff x="0" y="0"/>
+          <a:chExt cx="0" cy="0"/>
+        </a:xfrm>
+      </p:grpSpPr>
+      <p:sp>
+        <p:nvSpPr>
+          <p:cNvPr id="2" name="Slide Image Placeholder 1"/>
+          <p:cNvSpPr>
+            <a:spLocks noGrp="1" noRot="1" noChangeAspect="1"/>
+          </p:cNvSpPr>
+          <p:nvPr>
+            <p:ph type="sldImg"/>
+          </p:nvPr>
+        </p:nvSpPr>
+        <p:spPr/>
+      </p:sp>
+      <p:sp>
+        <p:nvSpPr>
+          <p:cNvPr id="3" name="Notes Placeholder 2"/>
+          <p:cNvSpPr>
+            <a:spLocks noGrp="1"/>
+          </p:cNvSpPr>
+          <p:nvPr>
+            <p:ph type="body" idx="1"/>
+          </p:nvPr>
+        </p:nvSpPr>
+        <p:spPr/>
+        <p:txBody>
+          <a:bodyPr/>
+          <a:lstStyle/>
+          <a:p>
+            <a:r>
+              <a:rPr lang="en-US" dirty="0" smtClean="0"/>
+              <a:t>To allow you to define different values for variables depending on where you are deploying, variables can be scoped.</a:t>
+            </a:r>
+          </a:p>
+          <a:p>
+            <a:endParaRPr lang="en-US" dirty="0" smtClean="0"/>
+          </a:p>
+          <a:p>
+            <a:r>
+              <a:rPr lang="en-US" dirty="0" smtClean="0"/>
+              <a:t>Variables can be scoped by:</a:t>
+            </a:r>
+          </a:p>
+          <a:p>
+            <a:endParaRPr lang="en-US" dirty="0" smtClean="0"/>
+          </a:p>
+          <a:p>
+            <a:r>
+              <a:rPr lang="en-US" baseline="0" dirty="0" smtClean="0"/>
+              <a:t>    </a:t>
+            </a:r>
+            <a:r>
+              <a:rPr lang="en-US" dirty="0" smtClean="0"/>
+              <a:t>Environments (most common</a:t>
+            </a:r>
+            <a:r>
+              <a:rPr lang="en-US" dirty="0" smtClean="0"/>
+              <a:t>)</a:t>
+            </a:r>
+          </a:p>
+          <a:p>
+            <a:r>
+              <a:rPr lang="en-US" dirty="0" smtClean="0"/>
+              <a:t>    Specific machine roles</a:t>
+            </a:r>
+          </a:p>
+          <a:p>
+            <a:r>
+              <a:rPr lang="en-US" dirty="0" smtClean="0"/>
+              <a:t>    Specific machines (targets)</a:t>
+            </a:r>
+            <a:endParaRPr lang="en-US" dirty="0" smtClean="0"/>
+          </a:p>
+          <a:p>
+            <a:r>
+              <a:rPr lang="en-US" dirty="0" smtClean="0"/>
+              <a:t>    Specific </a:t>
+            </a:r>
+            <a:r>
+              <a:rPr lang="en-US" dirty="0" smtClean="0"/>
+              <a:t>deployment steps</a:t>
+            </a:r>
+          </a:p>
+          <a:p>
+            <a:endParaRPr lang="en-US" dirty="0" smtClean="0"/>
+          </a:p>
+          <a:p>
+            <a:r>
+              <a:rPr lang="en-US" dirty="0" smtClean="0"/>
+              <a:t>Since variables can be scoped in many different ways, there needs to be a predictable, deterministic order in which they are resolved. The list below is the priority in which variable scopes take precedence - the top items are considered higher priority than the bottom ones:</a:t>
+            </a:r>
+          </a:p>
+          <a:p>
+            <a:endParaRPr lang="en-US" dirty="0" smtClean="0"/>
+          </a:p>
+          <a:p>
+            <a:r>
+              <a:rPr lang="en-US" baseline="0" dirty="0" smtClean="0"/>
+              <a:t>    </a:t>
+            </a:r>
+            <a:r>
+              <a:rPr lang="en-US" dirty="0" smtClean="0"/>
+              <a:t>The current step/action (most specific)</a:t>
+            </a:r>
+          </a:p>
+          <a:p>
+            <a:r>
+              <a:rPr lang="en-US" dirty="0" smtClean="0"/>
+              <a:t>    The current machine</a:t>
+            </a:r>
+          </a:p>
+          <a:p>
+            <a:r>
+              <a:rPr lang="en-US" dirty="0" smtClean="0"/>
+              <a:t>    Roles applied to the current machine and targeted by the current step</a:t>
+            </a:r>
+          </a:p>
+          <a:p>
+            <a:r>
+              <a:rPr lang="en-US" dirty="0" smtClean="0"/>
+              <a:t>    Roles applied to the current machine</a:t>
+            </a:r>
+          </a:p>
+          <a:p>
+            <a:r>
+              <a:rPr lang="en-US" dirty="0" smtClean="0"/>
+              <a:t>    The target tenant (if tenant-features are enabled)</a:t>
+            </a:r>
+          </a:p>
+          <a:p>
+            <a:r>
+              <a:rPr lang="en-US" dirty="0" smtClean="0"/>
+              <a:t>    The target tenant-tag (if tenant-features are enabled)</a:t>
+            </a:r>
+          </a:p>
+          <a:p>
+            <a:r>
+              <a:rPr lang="en-US" dirty="0" smtClean="0"/>
+              <a:t>    The target environment</a:t>
+            </a:r>
+          </a:p>
+          <a:p>
+            <a:r>
+              <a:rPr lang="en-US" dirty="0" smtClean="0"/>
+              <a:t>    The target channel (if channels are enabled)</a:t>
+            </a:r>
+          </a:p>
+          <a:p>
+            <a:r>
+              <a:rPr lang="en-US" dirty="0" smtClean="0"/>
+              <a:t>    No scope (least specific)</a:t>
+            </a:r>
+          </a:p>
+        </p:txBody>
+      </p:sp>
+      <p:sp>
+        <p:nvSpPr>
+          <p:cNvPr id="4" name="Slide Number Placeholder 3"/>
+          <p:cNvSpPr>
+            <a:spLocks noGrp="1"/>
+          </p:cNvSpPr>
+          <p:nvPr>
+            <p:ph type="sldNum" sz="quarter" idx="10"/>
+          </p:nvPr>
+        </p:nvSpPr>
+        <p:spPr/>
+        <p:txBody>
+          <a:bodyPr/>
+          <a:lstStyle/>
+          <a:p>
+            <a:fld id="{F4B107D5-4338-4B74-86B0-BB2063390F7B}" type="slidenum">
+              <a:rPr lang="en-GB" smtClean="0"/>
+              <a:t>8</a:t>
+            </a:fld>
+            <a:endParaRPr lang="en-GB"/>
+          </a:p>
+        </p:txBody>
+      </p:sp>
+    </p:spTree>
+    <p:extLst>
+      <p:ext uri="{BB962C8B-B14F-4D97-AF65-F5344CB8AC3E}">
+        <p14:creationId xmlns:p14="http://schemas.microsoft.com/office/powerpoint/2010/main" val="1371150150"/>
+      </p:ext>
+    </p:extLst>
+  </p:cSld>
+  <p:clrMapOvr>
+    <a:masterClrMapping/>
+  </p:clrMapOvr>
+</p:notes>
+</file>
+
+<file path=ppt/notesSlides/notesSlide9.xml><?xml version="1.0" encoding="utf-8"?>
+<p:notes xmlns:a="http://schemas.openxmlformats.org/drawingml/2006/main" xmlns:r="http://schemas.openxmlformats.org/officeDocument/2006/relationships" xmlns:p="http://schemas.openxmlformats.org/presentationml/2006/main">
+  <p:cSld>
+    <p:spTree>
+      <p:nvGrpSpPr>
+        <p:cNvPr id="1" name=""/>
+        <p:cNvGrpSpPr/>
+        <p:nvPr/>
+      </p:nvGrpSpPr>
+      <p:grpSpPr>
+        <a:xfrm>
+          <a:off x="0" y="0"/>
+          <a:ext cx="0" cy="0"/>
+          <a:chOff x="0" y="0"/>
+          <a:chExt cx="0" cy="0"/>
+        </a:xfrm>
+      </p:grpSpPr>
+      <p:sp>
+        <p:nvSpPr>
+          <p:cNvPr id="2" name="Slide Image Placeholder 1"/>
+          <p:cNvSpPr>
+            <a:spLocks noGrp="1" noRot="1" noChangeAspect="1"/>
+          </p:cNvSpPr>
+          <p:nvPr>
+            <p:ph type="sldImg"/>
+          </p:nvPr>
+        </p:nvSpPr>
+        <p:spPr/>
+      </p:sp>
+      <p:sp>
+        <p:nvSpPr>
+          <p:cNvPr id="3" name="Notes Placeholder 2"/>
+          <p:cNvSpPr>
+            <a:spLocks noGrp="1"/>
+          </p:cNvSpPr>
+          <p:nvPr>
+            <p:ph type="body" idx="1"/>
+          </p:nvPr>
+        </p:nvSpPr>
+        <p:spPr/>
+        <p:txBody>
+          <a:bodyPr/>
+          <a:lstStyle/>
+          <a:p>
             <a:endParaRPr lang="en-GB" dirty="0"/>
           </a:p>
         </p:txBody>
@@ -1293,7 +1636,7 @@
           <a:p>
             <a:fld id="{CD07EBF8-396F-4315-AE4D-1B4415FB8D2D}" type="slidenum">
               <a:rPr lang="en-GB" smtClean="0"/>
-              <a:t>7</a:t>
+              <a:t>9</a:t>
             </a:fld>
             <a:endParaRPr lang="en-GB"/>
           </a:p>
@@ -1337,7 +1680,7 @@
         </p:nvSpPr>
         <p:spPr>
           <a:xfrm>
-            <a:off x="1" y="571500"/>
+            <a:off x="1" y="571502"/>
             <a:ext cx="6856214" cy="4000501"/>
           </a:xfrm>
           <a:prstGeom prst="rect">
@@ -1375,7 +1718,7 @@
         </p:nvSpPr>
         <p:spPr>
           <a:xfrm>
-            <a:off x="6952697" y="571500"/>
+            <a:off x="6952699" y="571502"/>
             <a:ext cx="2193989" cy="4000501"/>
           </a:xfrm>
           <a:prstGeom prst="rect">
@@ -1477,35 +1820,35 @@
                 </a:solidFill>
               </a:defRPr>
             </a:lvl1pPr>
-            <a:lvl2pPr marL="457200" indent="0" algn="ctr">
+            <a:lvl2pPr marL="457178" indent="0" algn="ctr">
               <a:buNone/>
               <a:defRPr sz="2200"/>
             </a:lvl2pPr>
-            <a:lvl3pPr marL="914400" indent="0" algn="ctr">
+            <a:lvl3pPr marL="914355" indent="0" algn="ctr">
               <a:buNone/>
               <a:defRPr sz="2200"/>
             </a:lvl3pPr>
-            <a:lvl4pPr marL="1371600" indent="0" algn="ctr">
+            <a:lvl4pPr marL="1371532" indent="0" algn="ctr">
               <a:buNone/>
               <a:defRPr sz="2000"/>
             </a:lvl4pPr>
-            <a:lvl5pPr marL="1828800" indent="0" algn="ctr">
+            <a:lvl5pPr marL="1828709" indent="0" algn="ctr">
               <a:buNone/>
               <a:defRPr sz="2000"/>
             </a:lvl5pPr>
-            <a:lvl6pPr marL="2286000" indent="0" algn="ctr">
+            <a:lvl6pPr marL="2285886" indent="0" algn="ctr">
               <a:buNone/>
               <a:defRPr sz="2000"/>
             </a:lvl6pPr>
-            <a:lvl7pPr marL="2743200" indent="0" algn="ctr">
+            <a:lvl7pPr marL="2743064" indent="0" algn="ctr">
               <a:buNone/>
               <a:defRPr sz="2000"/>
             </a:lvl7pPr>
-            <a:lvl8pPr marL="3200400" indent="0" algn="ctr">
+            <a:lvl8pPr marL="3200240" indent="0" algn="ctr">
               <a:buNone/>
               <a:defRPr sz="2000"/>
             </a:lvl8pPr>
-            <a:lvl9pPr marL="3657600" indent="0" algn="ctr">
+            <a:lvl9pPr marL="3657418" indent="0" algn="ctr">
               <a:buNone/>
               <a:defRPr sz="2000"/>
             </a:lvl9pPr>
@@ -2331,7 +2674,7 @@
                 </a:solidFill>
               </a:defRPr>
             </a:lvl1pPr>
-            <a:lvl2pPr marL="457200" indent="0">
+            <a:lvl2pPr marL="457178" indent="0">
               <a:buNone/>
               <a:defRPr sz="1800">
                 <a:solidFill>
@@ -2341,7 +2684,7 @@
                 </a:solidFill>
               </a:defRPr>
             </a:lvl2pPr>
-            <a:lvl3pPr marL="914400" indent="0">
+            <a:lvl3pPr marL="914355" indent="0">
               <a:buNone/>
               <a:defRPr sz="1600">
                 <a:solidFill>
@@ -2351,7 +2694,7 @@
                 </a:solidFill>
               </a:defRPr>
             </a:lvl3pPr>
-            <a:lvl4pPr marL="1371600" indent="0">
+            <a:lvl4pPr marL="1371532" indent="0">
               <a:buNone/>
               <a:defRPr sz="1400">
                 <a:solidFill>
@@ -2361,7 +2704,7 @@
                 </a:solidFill>
               </a:defRPr>
             </a:lvl4pPr>
-            <a:lvl5pPr marL="1828800" indent="0">
+            <a:lvl5pPr marL="1828709" indent="0">
               <a:buNone/>
               <a:defRPr sz="1400">
                 <a:solidFill>
@@ -2371,7 +2714,7 @@
                 </a:solidFill>
               </a:defRPr>
             </a:lvl5pPr>
-            <a:lvl6pPr marL="2286000" indent="0">
+            <a:lvl6pPr marL="2285886" indent="0">
               <a:buNone/>
               <a:defRPr sz="1400">
                 <a:solidFill>
@@ -2381,7 +2724,7 @@
                 </a:solidFill>
               </a:defRPr>
             </a:lvl6pPr>
-            <a:lvl7pPr marL="2743200" indent="0">
+            <a:lvl7pPr marL="2743064" indent="0">
               <a:buNone/>
               <a:defRPr sz="1400">
                 <a:solidFill>
@@ -2391,7 +2734,7 @@
                 </a:solidFill>
               </a:defRPr>
             </a:lvl7pPr>
-            <a:lvl8pPr marL="3200400" indent="0">
+            <a:lvl8pPr marL="3200240" indent="0">
               <a:buNone/>
               <a:defRPr sz="1400">
                 <a:solidFill>
@@ -2401,7 +2744,7 @@
                 </a:solidFill>
               </a:defRPr>
             </a:lvl8pPr>
-            <a:lvl9pPr marL="3657600" indent="0">
+            <a:lvl9pPr marL="3657418" indent="0">
               <a:buNone/>
               <a:defRPr sz="1400">
                 <a:solidFill>
@@ -2924,35 +3267,35 @@
                 </a:solidFill>
               </a:defRPr>
             </a:lvl1pPr>
-            <a:lvl2pPr marL="457200" indent="0">
+            <a:lvl2pPr marL="457178" indent="0">
               <a:buNone/>
               <a:defRPr sz="2000" b="1"/>
             </a:lvl2pPr>
-            <a:lvl3pPr marL="914400" indent="0">
+            <a:lvl3pPr marL="914355" indent="0">
               <a:buNone/>
               <a:defRPr sz="1800" b="1"/>
             </a:lvl3pPr>
-            <a:lvl4pPr marL="1371600" indent="0">
+            <a:lvl4pPr marL="1371532" indent="0">
               <a:buNone/>
               <a:defRPr sz="1600" b="1"/>
             </a:lvl4pPr>
-            <a:lvl5pPr marL="1828800" indent="0">
+            <a:lvl5pPr marL="1828709" indent="0">
               <a:buNone/>
               <a:defRPr sz="1600" b="1"/>
             </a:lvl5pPr>
-            <a:lvl6pPr marL="2286000" indent="0">
+            <a:lvl6pPr marL="2285886" indent="0">
               <a:buNone/>
               <a:defRPr sz="1600" b="1"/>
             </a:lvl6pPr>
-            <a:lvl7pPr marL="2743200" indent="0">
+            <a:lvl7pPr marL="2743064" indent="0">
               <a:buNone/>
               <a:defRPr sz="1600" b="1"/>
             </a:lvl7pPr>
-            <a:lvl8pPr marL="3200400" indent="0">
+            <a:lvl8pPr marL="3200240" indent="0">
               <a:buNone/>
               <a:defRPr sz="1600" b="1"/>
             </a:lvl8pPr>
-            <a:lvl9pPr marL="3657600" indent="0">
+            <a:lvl9pPr marL="3657418" indent="0">
               <a:buNone/>
               <a:defRPr sz="1600" b="1"/>
             </a:lvl9pPr>
@@ -3063,7 +3406,7 @@
         </p:nvSpPr>
         <p:spPr>
           <a:xfrm>
-            <a:off x="5863847" y="767691"/>
+            <a:off x="5863847" y="767692"/>
             <a:ext cx="2606040" cy="609878"/>
           </a:xfrm>
         </p:spPr>
@@ -3086,35 +3429,35 @@
                 </a:solidFill>
               </a:defRPr>
             </a:lvl1pPr>
-            <a:lvl2pPr marL="457200" indent="0">
+            <a:lvl2pPr marL="457178" indent="0">
               <a:buNone/>
               <a:defRPr sz="2000" b="1"/>
             </a:lvl2pPr>
-            <a:lvl3pPr marL="914400" indent="0">
+            <a:lvl3pPr marL="914355" indent="0">
               <a:buNone/>
               <a:defRPr sz="1800" b="1"/>
             </a:lvl3pPr>
-            <a:lvl4pPr marL="1371600" indent="0">
+            <a:lvl4pPr marL="1371532" indent="0">
               <a:buNone/>
               <a:defRPr sz="1600" b="1"/>
             </a:lvl4pPr>
-            <a:lvl5pPr marL="1828800" indent="0">
+            <a:lvl5pPr marL="1828709" indent="0">
               <a:buNone/>
               <a:defRPr sz="1600" b="1"/>
             </a:lvl5pPr>
-            <a:lvl6pPr marL="2286000" indent="0">
+            <a:lvl6pPr marL="2285886" indent="0">
               <a:buNone/>
               <a:defRPr sz="1600" b="1"/>
             </a:lvl6pPr>
-            <a:lvl7pPr marL="2743200" indent="0">
+            <a:lvl7pPr marL="2743064" indent="0">
               <a:buNone/>
               <a:defRPr sz="1600" b="1"/>
             </a:lvl7pPr>
-            <a:lvl8pPr marL="3200400" indent="0">
+            <a:lvl8pPr marL="3200240" indent="0">
               <a:buNone/>
               <a:defRPr sz="1600" b="1"/>
             </a:lvl8pPr>
-            <a:lvl9pPr marL="3657600" indent="0">
+            <a:lvl9pPr marL="3657418" indent="0">
               <a:buNone/>
               <a:defRPr sz="1600" b="1"/>
             </a:lvl9pPr>
@@ -3745,7 +4088,7 @@
         </p:nvSpPr>
         <p:spPr>
           <a:xfrm>
-            <a:off x="192024" y="2620632"/>
+            <a:off x="192024" y="2620634"/>
             <a:ext cx="2125980" cy="1741493"/>
           </a:xfrm>
         </p:spPr>
@@ -3765,35 +4108,35 @@
                 </a:solidFill>
               </a:defRPr>
             </a:lvl1pPr>
-            <a:lvl2pPr marL="457200" indent="0">
+            <a:lvl2pPr marL="457178" indent="0">
               <a:buNone/>
               <a:defRPr sz="1200"/>
             </a:lvl2pPr>
-            <a:lvl3pPr marL="914400" indent="0">
+            <a:lvl3pPr marL="914355" indent="0">
               <a:buNone/>
               <a:defRPr sz="1000"/>
             </a:lvl3pPr>
-            <a:lvl4pPr marL="1371600" indent="0">
+            <a:lvl4pPr marL="1371532" indent="0">
               <a:buNone/>
               <a:defRPr sz="900"/>
             </a:lvl4pPr>
-            <a:lvl5pPr marL="1828800" indent="0">
+            <a:lvl5pPr marL="1828709" indent="0">
               <a:buNone/>
               <a:defRPr sz="900"/>
             </a:lvl5pPr>
-            <a:lvl6pPr marL="2286000" indent="0">
+            <a:lvl6pPr marL="2285886" indent="0">
               <a:buNone/>
               <a:defRPr sz="900"/>
             </a:lvl6pPr>
-            <a:lvl7pPr marL="2743200" indent="0">
+            <a:lvl7pPr marL="2743064" indent="0">
               <a:buNone/>
               <a:defRPr sz="900"/>
             </a:lvl7pPr>
-            <a:lvl8pPr marL="3200400" indent="0">
+            <a:lvl8pPr marL="3200240" indent="0">
               <a:buNone/>
               <a:defRPr sz="900"/>
             </a:lvl8pPr>
-            <a:lvl9pPr marL="3657600" indent="0">
+            <a:lvl9pPr marL="3657418" indent="0">
               <a:buNone/>
               <a:defRPr sz="900"/>
             </a:lvl9pPr>
@@ -3979,7 +4322,7 @@
         </p:nvSpPr>
         <p:spPr>
           <a:xfrm>
-            <a:off x="2677984" y="575564"/>
+            <a:off x="2677986" y="575564"/>
             <a:ext cx="6086423" cy="3998214"/>
           </a:xfrm>
           <a:solidFill>
@@ -3995,35 +4338,35 @@
               <a:buNone/>
               <a:defRPr sz="3200"/>
             </a:lvl1pPr>
-            <a:lvl2pPr marL="457200" indent="0">
+            <a:lvl2pPr marL="457178" indent="0">
               <a:buNone/>
               <a:defRPr sz="2800"/>
             </a:lvl2pPr>
-            <a:lvl3pPr marL="914400" indent="0">
+            <a:lvl3pPr marL="914355" indent="0">
               <a:buNone/>
               <a:defRPr sz="2400"/>
             </a:lvl3pPr>
-            <a:lvl4pPr marL="1371600" indent="0">
+            <a:lvl4pPr marL="1371532" indent="0">
               <a:buNone/>
               <a:defRPr sz="2000"/>
             </a:lvl4pPr>
-            <a:lvl5pPr marL="1828800" indent="0">
+            <a:lvl5pPr marL="1828709" indent="0">
               <a:buNone/>
               <a:defRPr sz="2000"/>
             </a:lvl5pPr>
-            <a:lvl6pPr marL="2286000" indent="0">
+            <a:lvl6pPr marL="2285886" indent="0">
               <a:buNone/>
               <a:defRPr sz="2000"/>
             </a:lvl6pPr>
-            <a:lvl7pPr marL="2743200" indent="0">
+            <a:lvl7pPr marL="2743064" indent="0">
               <a:buNone/>
               <a:defRPr sz="2000"/>
             </a:lvl7pPr>
-            <a:lvl8pPr marL="3200400" indent="0">
+            <a:lvl8pPr marL="3200240" indent="0">
               <a:buNone/>
               <a:defRPr sz="2000"/>
             </a:lvl8pPr>
-            <a:lvl9pPr marL="3657600" indent="0">
+            <a:lvl9pPr marL="3657418" indent="0">
               <a:buNone/>
               <a:defRPr sz="2000"/>
             </a:lvl9pPr>
@@ -4069,35 +4412,35 @@
                 </a:solidFill>
               </a:defRPr>
             </a:lvl1pPr>
-            <a:lvl2pPr marL="457200" indent="0">
+            <a:lvl2pPr marL="457178" indent="0">
               <a:buNone/>
               <a:defRPr sz="1200"/>
             </a:lvl2pPr>
-            <a:lvl3pPr marL="914400" indent="0">
+            <a:lvl3pPr marL="914355" indent="0">
               <a:buNone/>
               <a:defRPr sz="1000"/>
             </a:lvl3pPr>
-            <a:lvl4pPr marL="1371600" indent="0">
+            <a:lvl4pPr marL="1371532" indent="0">
               <a:buNone/>
               <a:defRPr sz="900"/>
             </a:lvl4pPr>
-            <a:lvl5pPr marL="1828800" indent="0">
+            <a:lvl5pPr marL="1828709" indent="0">
               <a:buNone/>
               <a:defRPr sz="900"/>
             </a:lvl5pPr>
-            <a:lvl6pPr marL="2286000" indent="0">
+            <a:lvl6pPr marL="2285886" indent="0">
               <a:buNone/>
               <a:defRPr sz="900"/>
             </a:lvl6pPr>
-            <a:lvl7pPr marL="2743200" indent="0">
+            <a:lvl7pPr marL="2743064" indent="0">
               <a:buNone/>
               <a:defRPr sz="900"/>
             </a:lvl7pPr>
-            <a:lvl8pPr marL="3200400" indent="0">
+            <a:lvl8pPr marL="3200240" indent="0">
               <a:buNone/>
               <a:defRPr sz="900"/>
             </a:lvl8pPr>
-            <a:lvl9pPr marL="3657600" indent="0">
+            <a:lvl9pPr marL="3657418" indent="0">
               <a:buNone/>
               <a:defRPr sz="900"/>
             </a:lvl9pPr>
@@ -4161,7 +4504,7 @@
         </p:nvSpPr>
         <p:spPr>
           <a:xfrm>
-            <a:off x="2624326" y="4767264"/>
+            <a:off x="2624328" y="4767264"/>
             <a:ext cx="4433638" cy="273844"/>
           </a:xfrm>
         </p:spPr>
@@ -4255,7 +4598,7 @@
         </p:nvSpPr>
         <p:spPr>
           <a:xfrm>
-            <a:off x="2" y="569214"/>
+            <a:off x="4" y="569214"/>
             <a:ext cx="2582693" cy="3998214"/>
           </a:xfrm>
           <a:prstGeom prst="rect">
@@ -4297,7 +4640,7 @@
         </p:nvSpPr>
         <p:spPr>
           <a:xfrm>
-            <a:off x="189689" y="842879"/>
+            <a:off x="189691" y="842881"/>
             <a:ext cx="2210612" cy="3450887"/>
           </a:xfrm>
           <a:prstGeom prst="rect">
@@ -4305,7 +4648,7 @@
           </a:prstGeom>
         </p:spPr>
         <p:txBody>
-          <a:bodyPr vert="horz" lIns="91440" tIns="45720" rIns="91440" bIns="45720" rtlCol="0" anchor="ctr">
+          <a:bodyPr vert="horz" lIns="91436" tIns="45718" rIns="91436" bIns="45718" rtlCol="0" anchor="ctr">
             <a:normAutofit/>
           </a:bodyPr>
           <a:lstStyle/>
@@ -4378,7 +4721,7 @@
           </a:prstGeom>
         </p:spPr>
         <p:txBody>
-          <a:bodyPr vert="horz" lIns="91440" tIns="45720" rIns="91440" bIns="45720" rtlCol="0" anchor="ctr">
+          <a:bodyPr vert="horz" lIns="91436" tIns="45718" rIns="91436" bIns="45718" rtlCol="0" anchor="ctr">
             <a:normAutofit/>
           </a:bodyPr>
           <a:lstStyle/>
@@ -4440,7 +4783,7 @@
           </a:prstGeom>
         </p:spPr>
         <p:txBody>
-          <a:bodyPr vert="horz" lIns="91440" tIns="45720" rIns="91440" bIns="45720" rtlCol="0" anchor="ctr"/>
+          <a:bodyPr vert="horz" lIns="91436" tIns="45718" rIns="91436" bIns="45718" rtlCol="0" anchor="ctr"/>
           <a:lstStyle>
             <a:lvl1pPr algn="l">
               <a:defRPr sz="1100">
@@ -4454,7 +4797,7 @@
             </a:lvl1pPr>
           </a:lstStyle>
           <a:p>
-            <a:pPr defTabSz="457200"/>
+            <a:pPr defTabSz="457178"/>
             <a:fld id="{69D89977-0975-47F9-BD5E-FA2A8586144A}" type="datetimeFigureOut">
               <a:rPr lang="en-GB" smtClean="0">
                 <a:solidFill>
@@ -4464,7 +4807,7 @@
                   </a:prstClr>
                 </a:solidFill>
               </a:rPr>
-              <a:pPr defTabSz="457200"/>
+              <a:pPr defTabSz="457178"/>
               <a:t>22/09/2017</a:t>
             </a:fld>
             <a:endParaRPr lang="en-GB">
@@ -4498,7 +4841,7 @@
           </a:prstGeom>
         </p:spPr>
         <p:txBody>
-          <a:bodyPr vert="horz" lIns="91440" tIns="45720" rIns="91440" bIns="45720" rtlCol="0" anchor="ctr"/>
+          <a:bodyPr vert="horz" lIns="91436" tIns="45718" rIns="91436" bIns="45718" rtlCol="0" anchor="ctr"/>
           <a:lstStyle>
             <a:lvl1pPr algn="l">
               <a:defRPr sz="1100">
@@ -4512,7 +4855,7 @@
             </a:lvl1pPr>
           </a:lstStyle>
           <a:p>
-            <a:pPr defTabSz="457200"/>
+            <a:pPr defTabSz="457178"/>
             <a:endParaRPr lang="en-GB">
               <a:solidFill>
                 <a:prstClr val="black">
@@ -4536,7 +4879,7 @@
         </p:nvSpPr>
         <p:spPr>
           <a:xfrm>
-            <a:off x="7975603" y="4767264"/>
+            <a:off x="7975605" y="4767264"/>
             <a:ext cx="1148195" cy="273844"/>
           </a:xfrm>
           <a:prstGeom prst="rect">
@@ -4544,7 +4887,7 @@
           </a:prstGeom>
         </p:spPr>
         <p:txBody>
-          <a:bodyPr vert="horz" lIns="91440" tIns="45720" rIns="91440" bIns="45720" rtlCol="0" anchor="ctr"/>
+          <a:bodyPr vert="horz" lIns="91436" tIns="45718" rIns="91436" bIns="45718" rtlCol="0" anchor="ctr"/>
           <a:lstStyle>
             <a:lvl1pPr algn="r">
               <a:defRPr sz="1200" b="1">
@@ -4555,14 +4898,14 @@
             </a:lvl1pPr>
           </a:lstStyle>
           <a:p>
-            <a:pPr defTabSz="457200"/>
+            <a:pPr defTabSz="457178"/>
             <a:fld id="{DA6A098C-9E92-4046-86B9-A0CAA91C4851}" type="slidenum">
               <a:rPr lang="en-GB" smtClean="0">
                 <a:solidFill>
                   <a:srgbClr val="4472C4"/>
                 </a:solidFill>
               </a:rPr>
-              <a:pPr defTabSz="457200"/>
+              <a:pPr defTabSz="457178"/>
               <a:t>‹#›</a:t>
             </a:fld>
             <a:endParaRPr lang="en-GB">
@@ -4596,7 +4939,7 @@
   </p:sldLayoutIdLst>
   <p:txStyles>
     <p:titleStyle>
-      <a:lvl1pPr algn="l" defTabSz="914400" rtl="0" eaLnBrk="1" latinLnBrk="0" hangingPunct="1">
+      <a:lvl1pPr algn="l" defTabSz="914355" rtl="0" eaLnBrk="1" latinLnBrk="0" hangingPunct="1">
         <a:lnSpc>
           <a:spcPct val="90000"/>
         </a:lnSpc>
@@ -4615,7 +4958,7 @@
       </a:lvl1pPr>
     </p:titleStyle>
     <p:bodyStyle>
-      <a:lvl1pPr marL="182880" indent="-182880" algn="l" defTabSz="914400" rtl="0" eaLnBrk="1" latinLnBrk="0" hangingPunct="1">
+      <a:lvl1pPr marL="182872" indent="-182872" algn="l" defTabSz="914355" rtl="0" eaLnBrk="1" latinLnBrk="0" hangingPunct="1">
         <a:lnSpc>
           <a:spcPct val="90000"/>
         </a:lnSpc>
@@ -4639,7 +4982,7 @@
           <a:cs typeface="+mn-cs"/>
         </a:defRPr>
       </a:lvl1pPr>
-      <a:lvl2pPr marL="685800" indent="-182880" algn="l" defTabSz="914400" rtl="0" eaLnBrk="1" latinLnBrk="0" hangingPunct="1">
+      <a:lvl2pPr marL="685766" indent="-182872" algn="l" defTabSz="914355" rtl="0" eaLnBrk="1" latinLnBrk="0" hangingPunct="1">
         <a:lnSpc>
           <a:spcPct val="90000"/>
         </a:lnSpc>
@@ -4666,7 +5009,7 @@
           <a:cs typeface="+mn-cs"/>
         </a:defRPr>
       </a:lvl2pPr>
-      <a:lvl3pPr marL="1143000" indent="-182880" algn="l" defTabSz="914400" rtl="0" eaLnBrk="1" latinLnBrk="0" hangingPunct="1">
+      <a:lvl3pPr marL="1142944" indent="-182872" algn="l" defTabSz="914355" rtl="0" eaLnBrk="1" latinLnBrk="0" hangingPunct="1">
         <a:lnSpc>
           <a:spcPct val="90000"/>
         </a:lnSpc>
@@ -4693,7 +5036,7 @@
           <a:cs typeface="+mn-cs"/>
         </a:defRPr>
       </a:lvl3pPr>
-      <a:lvl4pPr marL="1600200" indent="-182880" algn="l" defTabSz="914400" rtl="0" eaLnBrk="1" latinLnBrk="0" hangingPunct="1">
+      <a:lvl4pPr marL="1600120" indent="-182872" algn="l" defTabSz="914355" rtl="0" eaLnBrk="1" latinLnBrk="0" hangingPunct="1">
         <a:lnSpc>
           <a:spcPct val="90000"/>
         </a:lnSpc>
@@ -4720,7 +5063,7 @@
           <a:cs typeface="+mn-cs"/>
         </a:defRPr>
       </a:lvl4pPr>
-      <a:lvl5pPr marL="2057400" indent="-182880" algn="l" defTabSz="914400" rtl="0" eaLnBrk="1" latinLnBrk="0" hangingPunct="1">
+      <a:lvl5pPr marL="2057297" indent="-182872" algn="l" defTabSz="914355" rtl="0" eaLnBrk="1" latinLnBrk="0" hangingPunct="1">
         <a:lnSpc>
           <a:spcPct val="90000"/>
         </a:lnSpc>
@@ -4747,7 +5090,7 @@
           <a:cs typeface="+mn-cs"/>
         </a:defRPr>
       </a:lvl5pPr>
-      <a:lvl6pPr marL="2514600" indent="-228600" algn="l" defTabSz="914400" rtl="0" eaLnBrk="1" latinLnBrk="0" hangingPunct="1">
+      <a:lvl6pPr marL="2514474" indent="-228588" algn="l" defTabSz="914355" rtl="0" eaLnBrk="1" latinLnBrk="0" hangingPunct="1">
         <a:lnSpc>
           <a:spcPct val="90000"/>
         </a:lnSpc>
@@ -4774,7 +5117,7 @@
           <a:cs typeface="+mn-cs"/>
         </a:defRPr>
       </a:lvl6pPr>
-      <a:lvl7pPr marL="2971800" indent="-228600" algn="l" defTabSz="914400" rtl="0" eaLnBrk="1" latinLnBrk="0" hangingPunct="1">
+      <a:lvl7pPr marL="2971652" indent="-228588" algn="l" defTabSz="914355" rtl="0" eaLnBrk="1" latinLnBrk="0" hangingPunct="1">
         <a:lnSpc>
           <a:spcPct val="90000"/>
         </a:lnSpc>
@@ -4801,7 +5144,7 @@
           <a:cs typeface="+mn-cs"/>
         </a:defRPr>
       </a:lvl7pPr>
-      <a:lvl8pPr marL="3429000" indent="-228600" algn="l" defTabSz="914400" rtl="0" eaLnBrk="1" latinLnBrk="0" hangingPunct="1">
+      <a:lvl8pPr marL="3428829" indent="-228588" algn="l" defTabSz="914355" rtl="0" eaLnBrk="1" latinLnBrk="0" hangingPunct="1">
         <a:lnSpc>
           <a:spcPct val="90000"/>
         </a:lnSpc>
@@ -4828,7 +5171,7 @@
           <a:cs typeface="+mn-cs"/>
         </a:defRPr>
       </a:lvl8pPr>
-      <a:lvl9pPr marL="3886200" indent="-228600" algn="l" defTabSz="914400" rtl="0" eaLnBrk="1" latinLnBrk="0" hangingPunct="1">
+      <a:lvl9pPr marL="3886006" indent="-228588" algn="l" defTabSz="914355" rtl="0" eaLnBrk="1" latinLnBrk="0" hangingPunct="1">
         <a:lnSpc>
           <a:spcPct val="90000"/>
         </a:lnSpc>
@@ -4860,7 +5203,7 @@
       <a:defPPr>
         <a:defRPr lang="en-US"/>
       </a:defPPr>
-      <a:lvl1pPr marL="0" algn="l" defTabSz="914400" rtl="0" eaLnBrk="1" latinLnBrk="0" hangingPunct="1">
+      <a:lvl1pPr marL="0" algn="l" defTabSz="914355" rtl="0" eaLnBrk="1" latinLnBrk="0" hangingPunct="1">
         <a:defRPr sz="1800" kern="1200">
           <a:solidFill>
             <a:schemeClr val="tx1"/>
@@ -4870,7 +5213,7 @@
           <a:cs typeface="+mn-cs"/>
         </a:defRPr>
       </a:lvl1pPr>
-      <a:lvl2pPr marL="457200" algn="l" defTabSz="914400" rtl="0" eaLnBrk="1" latinLnBrk="0" hangingPunct="1">
+      <a:lvl2pPr marL="457178" algn="l" defTabSz="914355" rtl="0" eaLnBrk="1" latinLnBrk="0" hangingPunct="1">
         <a:defRPr sz="1800" kern="1200">
           <a:solidFill>
             <a:schemeClr val="tx1"/>
@@ -4880,7 +5223,7 @@
           <a:cs typeface="+mn-cs"/>
         </a:defRPr>
       </a:lvl2pPr>
-      <a:lvl3pPr marL="914400" algn="l" defTabSz="914400" rtl="0" eaLnBrk="1" latinLnBrk="0" hangingPunct="1">
+      <a:lvl3pPr marL="914355" algn="l" defTabSz="914355" rtl="0" eaLnBrk="1" latinLnBrk="0" hangingPunct="1">
         <a:defRPr sz="1800" kern="1200">
           <a:solidFill>
             <a:schemeClr val="tx1"/>
@@ -4890,7 +5233,7 @@
           <a:cs typeface="+mn-cs"/>
         </a:defRPr>
       </a:lvl3pPr>
-      <a:lvl4pPr marL="1371600" algn="l" defTabSz="914400" rtl="0" eaLnBrk="1" latinLnBrk="0" hangingPunct="1">
+      <a:lvl4pPr marL="1371532" algn="l" defTabSz="914355" rtl="0" eaLnBrk="1" latinLnBrk="0" hangingPunct="1">
         <a:defRPr sz="1800" kern="1200">
           <a:solidFill>
             <a:schemeClr val="tx1"/>
@@ -4900,7 +5243,7 @@
           <a:cs typeface="+mn-cs"/>
         </a:defRPr>
       </a:lvl4pPr>
-      <a:lvl5pPr marL="1828800" algn="l" defTabSz="914400" rtl="0" eaLnBrk="1" latinLnBrk="0" hangingPunct="1">
+      <a:lvl5pPr marL="1828709" algn="l" defTabSz="914355" rtl="0" eaLnBrk="1" latinLnBrk="0" hangingPunct="1">
         <a:defRPr sz="1800" kern="1200">
           <a:solidFill>
             <a:schemeClr val="tx1"/>
@@ -4910,7 +5253,7 @@
           <a:cs typeface="+mn-cs"/>
         </a:defRPr>
       </a:lvl5pPr>
-      <a:lvl6pPr marL="2286000" algn="l" defTabSz="914400" rtl="0" eaLnBrk="1" latinLnBrk="0" hangingPunct="1">
+      <a:lvl6pPr marL="2285886" algn="l" defTabSz="914355" rtl="0" eaLnBrk="1" latinLnBrk="0" hangingPunct="1">
         <a:defRPr sz="1800" kern="1200">
           <a:solidFill>
             <a:schemeClr val="tx1"/>
@@ -4920,7 +5263,7 @@
           <a:cs typeface="+mn-cs"/>
         </a:defRPr>
       </a:lvl6pPr>
-      <a:lvl7pPr marL="2743200" algn="l" defTabSz="914400" rtl="0" eaLnBrk="1" latinLnBrk="0" hangingPunct="1">
+      <a:lvl7pPr marL="2743064" algn="l" defTabSz="914355" rtl="0" eaLnBrk="1" latinLnBrk="0" hangingPunct="1">
         <a:defRPr sz="1800" kern="1200">
           <a:solidFill>
             <a:schemeClr val="tx1"/>
@@ -4930,7 +5273,7 @@
           <a:cs typeface="+mn-cs"/>
         </a:defRPr>
       </a:lvl7pPr>
-      <a:lvl8pPr marL="3200400" algn="l" defTabSz="914400" rtl="0" eaLnBrk="1" latinLnBrk="0" hangingPunct="1">
+      <a:lvl8pPr marL="3200240" algn="l" defTabSz="914355" rtl="0" eaLnBrk="1" latinLnBrk="0" hangingPunct="1">
         <a:defRPr sz="1800" kern="1200">
           <a:solidFill>
             <a:schemeClr val="tx1"/>
@@ -4940,7 +5283,7 @@
           <a:cs typeface="+mn-cs"/>
         </a:defRPr>
       </a:lvl8pPr>
-      <a:lvl9pPr marL="3657600" algn="l" defTabSz="914400" rtl="0" eaLnBrk="1" latinLnBrk="0" hangingPunct="1">
+      <a:lvl9pPr marL="3657418" algn="l" defTabSz="914355" rtl="0" eaLnBrk="1" latinLnBrk="0" hangingPunct="1">
         <a:defRPr sz="1800" kern="1200">
           <a:solidFill>
             <a:schemeClr val="tx1"/>
@@ -4977,7 +5320,7 @@
           <p:cNvPr id="2" name="Title 1">
             <a:extLst>
               <a:ext uri="{FF2B5EF4-FFF2-40B4-BE49-F238E27FC236}">
-                <a16:creationId xmlns:a16="http://schemas.microsoft.com/office/drawing/2014/main" xmlns="" id="{E43653FA-C236-438B-8E8D-48A7F4314C49}"/>
+                <a16:creationId xmlns="" xmlns:a16="http://schemas.microsoft.com/office/drawing/2014/main" id="{E43653FA-C236-438B-8E8D-48A7F4314C49}"/>
               </a:ext>
             </a:extLst>
           </p:cNvPr>
@@ -5005,7 +5348,7 @@
           <p:cNvPr id="4" name="Subtitle 3">
             <a:extLst>
               <a:ext uri="{FF2B5EF4-FFF2-40B4-BE49-F238E27FC236}">
-                <a16:creationId xmlns:a16="http://schemas.microsoft.com/office/drawing/2014/main" xmlns="" id="{C4E31A7C-DBD3-458C-BEC2-8B7296DE3BEB}"/>
+                <a16:creationId xmlns="" xmlns:a16="http://schemas.microsoft.com/office/drawing/2014/main" id="{C4E31A7C-DBD3-458C-BEC2-8B7296DE3BEB}"/>
               </a:ext>
             </a:extLst>
           </p:cNvPr>
@@ -5037,6 +5380,99 @@
     <p:extLst>
       <p:ext uri="{BB962C8B-B14F-4D97-AF65-F5344CB8AC3E}">
         <p14:creationId xmlns:p14="http://schemas.microsoft.com/office/powerpoint/2010/main" val="345081959"/>
+      </p:ext>
+    </p:extLst>
+  </p:cSld>
+  <p:clrMapOvr>
+    <a:masterClrMapping/>
+  </p:clrMapOvr>
+  <p:timing>
+    <p:tnLst>
+      <p:par>
+        <p:cTn id="1" dur="indefinite" restart="never" nodeType="tmRoot"/>
+      </p:par>
+    </p:tnLst>
+  </p:timing>
+</p:sld>
+</file>
+
+<file path=ppt/slides/slide10.xml><?xml version="1.0" encoding="utf-8"?>
+<p:sld xmlns:a="http://schemas.openxmlformats.org/drawingml/2006/main" xmlns:r="http://schemas.openxmlformats.org/officeDocument/2006/relationships" xmlns:p="http://schemas.openxmlformats.org/presentationml/2006/main">
+  <p:cSld>
+    <p:spTree>
+      <p:nvGrpSpPr>
+        <p:cNvPr id="1" name=""/>
+        <p:cNvGrpSpPr/>
+        <p:nvPr/>
+      </p:nvGrpSpPr>
+      <p:grpSpPr>
+        <a:xfrm>
+          <a:off x="0" y="0"/>
+          <a:ext cx="0" cy="0"/>
+          <a:chOff x="0" y="0"/>
+          <a:chExt cx="0" cy="0"/>
+        </a:xfrm>
+      </p:grpSpPr>
+      <p:sp>
+        <p:nvSpPr>
+          <p:cNvPr id="2" name="Title 1"/>
+          <p:cNvSpPr>
+            <a:spLocks noGrp="1"/>
+          </p:cNvSpPr>
+          <p:nvPr>
+            <p:ph type="title"/>
+          </p:nvPr>
+        </p:nvSpPr>
+        <p:spPr/>
+        <p:txBody>
+          <a:bodyPr>
+            <a:normAutofit/>
+          </a:bodyPr>
+          <a:lstStyle/>
+          <a:p>
+            <a:r>
+              <a:rPr lang="en-GB" sz="2400" dirty="0" smtClean="0"/>
+              <a:t>Resources</a:t>
+            </a:r>
+            <a:endParaRPr lang="en-GB" sz="2400" dirty="0"/>
+          </a:p>
+        </p:txBody>
+      </p:sp>
+      <p:sp>
+        <p:nvSpPr>
+          <p:cNvPr id="3" name="Content Placeholder 2"/>
+          <p:cNvSpPr>
+            <a:spLocks noGrp="1"/>
+          </p:cNvSpPr>
+          <p:nvPr>
+            <p:ph idx="1"/>
+          </p:nvPr>
+        </p:nvSpPr>
+        <p:spPr/>
+        <p:txBody>
+          <a:bodyPr/>
+          <a:lstStyle/>
+          <a:p>
+            <a:r>
+              <a:rPr lang="en-GB" dirty="0">
+                <a:hlinkClick r:id="rId3"/>
+              </a:rPr>
+              <a:t>https://</a:t>
+            </a:r>
+            <a:r>
+              <a:rPr lang="en-GB" dirty="0" smtClean="0">
+                <a:hlinkClick r:id="rId3"/>
+              </a:rPr>
+              <a:t>octopus.com/blog/demo-server</a:t>
+            </a:r>
+            <a:endParaRPr lang="en-GB" dirty="0" smtClean="0"/>
+          </a:p>
+        </p:txBody>
+      </p:sp>
+    </p:spTree>
+    <p:extLst>
+      <p:ext uri="{BB962C8B-B14F-4D97-AF65-F5344CB8AC3E}">
+        <p14:creationId xmlns:p14="http://schemas.microsoft.com/office/powerpoint/2010/main" val="103643738"/>
       </p:ext>
     </p:extLst>
   </p:cSld>
@@ -5211,7 +5647,7 @@
           <a:lstStyle/>
           <a:p>
             <a:r>
-              <a:rPr lang="en-GB" sz="2400" dirty="0" smtClean="0"/>
+              <a:rPr lang="en-GB" sz="2400" dirty="0"/>
               <a:t>TeamCity &amp; Octopus Deploy</a:t>
             </a:r>
             <a:endParaRPr lang="en-GB" sz="2400" dirty="0"/>
@@ -5242,7 +5678,7 @@
         </p:blipFill>
         <p:spPr>
           <a:xfrm>
-            <a:off x="2901950" y="1001955"/>
+            <a:off x="2901950" y="1001957"/>
             <a:ext cx="5486400" cy="3131653"/>
           </a:xfrm>
         </p:spPr>
@@ -5302,10 +5738,9 @@
           <a:lstStyle/>
           <a:p>
             <a:r>
-              <a:rPr lang="en-GB" sz="2800" dirty="0" smtClean="0"/>
-              <a:t>Environments &amp; Roles</a:t>
-            </a:r>
-            <a:endParaRPr lang="en-GB" sz="2800" dirty="0"/>
+              <a:rPr lang="en-GB" sz="2400" dirty="0"/>
+              <a:t>TeamCity &amp; Octopus Deploy</a:t>
+            </a:r>
           </a:p>
         </p:txBody>
       </p:sp>
@@ -5333,15 +5768,15 @@
         </p:blipFill>
         <p:spPr>
           <a:xfrm>
-            <a:off x="2901950" y="1274623"/>
-            <a:ext cx="5486400" cy="2586317"/>
+            <a:off x="2901950" y="1181712"/>
+            <a:ext cx="5486400" cy="2772143"/>
           </a:xfrm>
         </p:spPr>
       </p:pic>
     </p:spTree>
     <p:extLst>
       <p:ext uri="{BB962C8B-B14F-4D97-AF65-F5344CB8AC3E}">
-        <p14:creationId xmlns:p14="http://schemas.microsoft.com/office/powerpoint/2010/main" val="1751397266"/>
+        <p14:creationId xmlns:p14="http://schemas.microsoft.com/office/powerpoint/2010/main" val="107545680"/>
       </p:ext>
     </p:extLst>
   </p:cSld>
@@ -5393,7 +5828,218 @@
           <a:lstStyle/>
           <a:p>
             <a:r>
-              <a:rPr lang="en-GB" sz="2800" dirty="0" smtClean="0"/>
+              <a:rPr lang="en-GB" sz="2400" dirty="0"/>
+              <a:t>TeamCity &amp; Octopus Deploy</a:t>
+            </a:r>
+          </a:p>
+        </p:txBody>
+      </p:sp>
+      <p:pic>
+        <p:nvPicPr>
+          <p:cNvPr id="5" name="Content Placeholder 4"/>
+          <p:cNvPicPr>
+            <a:picLocks noGrp="1" noChangeAspect="1"/>
+          </p:cNvPicPr>
+          <p:nvPr>
+            <p:ph idx="1"/>
+          </p:nvPr>
+        </p:nvPicPr>
+        <p:blipFill>
+          <a:blip r:embed="rId3">
+            <a:extLst>
+              <a:ext uri="{28A0092B-C50C-407E-A947-70E740481C1C}">
+                <a14:useLocalDpi xmlns:a14="http://schemas.microsoft.com/office/drawing/2010/main" val="0"/>
+              </a:ext>
+            </a:extLst>
+          </a:blip>
+          <a:stretch>
+            <a:fillRect/>
+          </a:stretch>
+        </p:blipFill>
+        <p:spPr>
+          <a:xfrm>
+            <a:off x="2901950" y="1242157"/>
+            <a:ext cx="5486400" cy="2651248"/>
+          </a:xfrm>
+        </p:spPr>
+      </p:pic>
+    </p:spTree>
+    <p:extLst>
+      <p:ext uri="{BB962C8B-B14F-4D97-AF65-F5344CB8AC3E}">
+        <p14:creationId xmlns:p14="http://schemas.microsoft.com/office/powerpoint/2010/main" val="3042227747"/>
+      </p:ext>
+    </p:extLst>
+  </p:cSld>
+  <p:clrMapOvr>
+    <a:masterClrMapping/>
+  </p:clrMapOvr>
+  <p:timing>
+    <p:tnLst>
+      <p:par>
+        <p:cTn id="1" dur="indefinite" restart="never" nodeType="tmRoot"/>
+      </p:par>
+    </p:tnLst>
+  </p:timing>
+</p:sld>
+</file>
+
+<file path=ppt/slides/slide6.xml><?xml version="1.0" encoding="utf-8"?>
+<p:sld xmlns:a="http://schemas.openxmlformats.org/drawingml/2006/main" xmlns:r="http://schemas.openxmlformats.org/officeDocument/2006/relationships" xmlns:p="http://schemas.openxmlformats.org/presentationml/2006/main">
+  <p:cSld>
+    <p:spTree>
+      <p:nvGrpSpPr>
+        <p:cNvPr id="1" name=""/>
+        <p:cNvGrpSpPr/>
+        <p:nvPr/>
+      </p:nvGrpSpPr>
+      <p:grpSpPr>
+        <a:xfrm>
+          <a:off x="0" y="0"/>
+          <a:ext cx="0" cy="0"/>
+          <a:chOff x="0" y="0"/>
+          <a:chExt cx="0" cy="0"/>
+        </a:xfrm>
+      </p:grpSpPr>
+      <p:sp>
+        <p:nvSpPr>
+          <p:cNvPr id="2" name="Title 1"/>
+          <p:cNvSpPr>
+            <a:spLocks noGrp="1"/>
+          </p:cNvSpPr>
+          <p:nvPr>
+            <p:ph type="title"/>
+          </p:nvPr>
+        </p:nvSpPr>
+        <p:spPr/>
+        <p:txBody>
+          <a:bodyPr>
+            <a:normAutofit/>
+          </a:bodyPr>
+          <a:lstStyle/>
+          <a:p>
+            <a:r>
+              <a:rPr lang="en-GB" sz="2800" dirty="0"/>
+              <a:t>Environments &amp; Roles</a:t>
+            </a:r>
+            <a:endParaRPr lang="en-GB" sz="2800" dirty="0"/>
+          </a:p>
+        </p:txBody>
+      </p:sp>
+      <p:pic>
+        <p:nvPicPr>
+          <p:cNvPr id="4" name="Content Placeholder 3"/>
+          <p:cNvPicPr>
+            <a:picLocks noGrp="1" noChangeAspect="1"/>
+          </p:cNvPicPr>
+          <p:nvPr>
+            <p:ph idx="1"/>
+          </p:nvPr>
+        </p:nvPicPr>
+        <p:blipFill>
+          <a:blip r:embed="rId3">
+            <a:extLst>
+              <a:ext uri="{28A0092B-C50C-407E-A947-70E740481C1C}">
+                <a14:useLocalDpi xmlns:a14="http://schemas.microsoft.com/office/drawing/2010/main" val="0"/>
+              </a:ext>
+            </a:extLst>
+          </a:blip>
+          <a:stretch>
+            <a:fillRect/>
+          </a:stretch>
+        </p:blipFill>
+        <p:spPr>
+          <a:xfrm>
+            <a:off x="2901950" y="555528"/>
+            <a:ext cx="5486400" cy="2586317"/>
+          </a:xfrm>
+        </p:spPr>
+      </p:pic>
+      <p:pic>
+        <p:nvPicPr>
+          <p:cNvPr id="5" name="Content Placeholder 3"/>
+          <p:cNvPicPr>
+            <a:picLocks noChangeAspect="1"/>
+          </p:cNvPicPr>
+          <p:nvPr/>
+        </p:nvPicPr>
+        <p:blipFill>
+          <a:blip r:embed="rId4">
+            <a:extLst>
+              <a:ext uri="{28A0092B-C50C-407E-A947-70E740481C1C}">
+                <a14:useLocalDpi xmlns:a14="http://schemas.microsoft.com/office/drawing/2010/main" val="0"/>
+              </a:ext>
+            </a:extLst>
+          </a:blip>
+          <a:stretch>
+            <a:fillRect/>
+          </a:stretch>
+        </p:blipFill>
+        <p:spPr>
+          <a:xfrm>
+            <a:off x="3525839" y="3435846"/>
+            <a:ext cx="4238625" cy="1314450"/>
+          </a:xfrm>
+          <a:prstGeom prst="rect">
+            <a:avLst/>
+          </a:prstGeom>
+        </p:spPr>
+      </p:pic>
+    </p:spTree>
+    <p:extLst>
+      <p:ext uri="{BB962C8B-B14F-4D97-AF65-F5344CB8AC3E}">
+        <p14:creationId xmlns:p14="http://schemas.microsoft.com/office/powerpoint/2010/main" val="1751397266"/>
+      </p:ext>
+    </p:extLst>
+  </p:cSld>
+  <p:clrMapOvr>
+    <a:masterClrMapping/>
+  </p:clrMapOvr>
+  <p:timing>
+    <p:tnLst>
+      <p:par>
+        <p:cTn id="1" dur="indefinite" restart="never" nodeType="tmRoot"/>
+      </p:par>
+    </p:tnLst>
+  </p:timing>
+</p:sld>
+</file>
+
+<file path=ppt/slides/slide7.xml><?xml version="1.0" encoding="utf-8"?>
+<p:sld xmlns:a="http://schemas.openxmlformats.org/drawingml/2006/main" xmlns:r="http://schemas.openxmlformats.org/officeDocument/2006/relationships" xmlns:p="http://schemas.openxmlformats.org/presentationml/2006/main">
+  <p:cSld>
+    <p:spTree>
+      <p:nvGrpSpPr>
+        <p:cNvPr id="1" name=""/>
+        <p:cNvGrpSpPr/>
+        <p:nvPr/>
+      </p:nvGrpSpPr>
+      <p:grpSpPr>
+        <a:xfrm>
+          <a:off x="0" y="0"/>
+          <a:ext cx="0" cy="0"/>
+          <a:chOff x="0" y="0"/>
+          <a:chExt cx="0" cy="0"/>
+        </a:xfrm>
+      </p:grpSpPr>
+      <p:sp>
+        <p:nvSpPr>
+          <p:cNvPr id="2" name="Title 1"/>
+          <p:cNvSpPr>
+            <a:spLocks noGrp="1"/>
+          </p:cNvSpPr>
+          <p:nvPr>
+            <p:ph type="title"/>
+          </p:nvPr>
+        </p:nvSpPr>
+        <p:spPr/>
+        <p:txBody>
+          <a:bodyPr>
+            <a:normAutofit/>
+          </a:bodyPr>
+          <a:lstStyle/>
+          <a:p>
+            <a:r>
+              <a:rPr lang="en-GB" sz="2800" dirty="0"/>
               <a:t>Configuration Management</a:t>
             </a:r>
             <a:endParaRPr lang="en-GB" sz="2800" dirty="0"/>
@@ -5449,7 +6095,7 @@
 </p:sld>
 </file>
 
-<file path=ppt/slides/slide6.xml><?xml version="1.0" encoding="utf-8"?>
+<file path=ppt/slides/slide8.xml><?xml version="1.0" encoding="utf-8"?>
 <p:sld xmlns:a="http://schemas.openxmlformats.org/drawingml/2006/main" xmlns:r="http://schemas.openxmlformats.org/officeDocument/2006/relationships" xmlns:p="http://schemas.openxmlformats.org/presentationml/2006/main">
   <p:cSld>
     <p:spTree>
@@ -5538,7 +6184,7 @@
 </p:sld>
 </file>
 
-<file path=ppt/slides/slide7.xml><?xml version="1.0" encoding="utf-8"?>
+<file path=ppt/slides/slide9.xml><?xml version="1.0" encoding="utf-8"?>
 <p:sld xmlns:a="http://schemas.openxmlformats.org/drawingml/2006/main" xmlns:r="http://schemas.openxmlformats.org/officeDocument/2006/relationships" xmlns:p="http://schemas.openxmlformats.org/presentationml/2006/main">
   <p:cSld>
     <p:spTree>
@@ -5564,7 +6210,7 @@
           <p:nvPr>
             <p:extLst>
               <p:ext uri="{386F3935-93C4-4BCD-93E2-E3B085C9AB24}">
-                <p16:designElem xmlns:p16="http://schemas.microsoft.com/office/powerpoint/2015/main" xmlns="" val="1"/>
+                <p16:designElem xmlns="" xmlns:p16="http://schemas.microsoft.com/office/powerpoint/2015/main" val="1"/>
               </p:ext>
             </p:extLst>
           </p:nvPr>
@@ -5598,7 +6244,7 @@
           </a:fontRef>
         </p:style>
         <p:txBody>
-          <a:bodyPr lIns="68580" tIns="34290" rIns="68580" bIns="34290" rtlCol="0" anchor="ctr"/>
+          <a:bodyPr lIns="68577" tIns="34289" rIns="68577" bIns="34289" rtlCol="0" anchor="ctr"/>
           <a:lstStyle/>
           <a:p>
             <a:pPr algn="ctr"/>
@@ -5617,14 +6263,14 @@
           <p:nvPr>
             <p:extLst>
               <p:ext uri="{386F3935-93C4-4BCD-93E2-E3B085C9AB24}">
-                <p16:designElem xmlns:p16="http://schemas.microsoft.com/office/powerpoint/2015/main" xmlns="" val="1"/>
+                <p16:designElem xmlns="" xmlns:p16="http://schemas.microsoft.com/office/powerpoint/2015/main" val="1"/>
               </p:ext>
             </p:extLst>
           </p:nvPr>
         </p:nvCxnSpPr>
         <p:spPr>
           <a:xfrm>
-            <a:off x="5650992" y="1564261"/>
+            <a:off x="5650992" y="1564263"/>
             <a:ext cx="0" cy="2014979"/>
           </a:xfrm>
           <a:prstGeom prst="line">
@@ -5663,14 +6309,14 @@
           <p:nvPr>
             <p:extLst>
               <p:ext uri="{386F3935-93C4-4BCD-93E2-E3B085C9AB24}">
-                <p16:designElem xmlns:p16="http://schemas.microsoft.com/office/powerpoint/2015/main" xmlns="" val="1"/>
+                <p16:designElem xmlns="" xmlns:p16="http://schemas.microsoft.com/office/powerpoint/2015/main" val="1"/>
               </p:ext>
             </p:extLst>
           </p:nvPr>
         </p:nvSpPr>
         <p:spPr>
           <a:xfrm>
-            <a:off x="0" y="571500"/>
+            <a:off x="2" y="571502"/>
             <a:ext cx="965201" cy="4000501"/>
           </a:xfrm>
           <a:prstGeom prst="rect">
@@ -5709,14 +6355,14 @@
           <p:nvPr>
             <p:extLst>
               <p:ext uri="{386F3935-93C4-4BCD-93E2-E3B085C9AB24}">
-                <p16:designElem xmlns:p16="http://schemas.microsoft.com/office/powerpoint/2015/main" xmlns="" val="1"/>
+                <p16:designElem xmlns="" xmlns:p16="http://schemas.microsoft.com/office/powerpoint/2015/main" val="1"/>
               </p:ext>
             </p:extLst>
           </p:nvPr>
         </p:nvSpPr>
         <p:spPr>
           <a:xfrm>
-            <a:off x="8764334" y="575869"/>
+            <a:off x="8764334" y="575871"/>
             <a:ext cx="381009" cy="3996130"/>
           </a:xfrm>
           <a:prstGeom prst="rect">
@@ -5748,7 +6394,7 @@
           </a:fontRef>
         </p:style>
         <p:txBody>
-          <a:bodyPr lIns="68580" tIns="34290" rIns="68580" bIns="34290" rtlCol="0" anchor="ctr"/>
+          <a:bodyPr lIns="68577" tIns="34289" rIns="68577" bIns="34289" rtlCol="0" anchor="ctr"/>
           <a:lstStyle/>
           <a:p>
             <a:pPr algn="ctr"/>
@@ -5761,7 +6407,7 @@
           <p:cNvPr id="3" name="Title 2">
             <a:extLst>
               <a:ext uri="{FF2B5EF4-FFF2-40B4-BE49-F238E27FC236}">
-                <a16:creationId xmlns:a16="http://schemas.microsoft.com/office/drawing/2014/main" xmlns="" id="{4A5665C2-CF24-4FDD-8E12-177E5A331057}"/>
+                <a16:creationId xmlns="" xmlns:a16="http://schemas.microsoft.com/office/drawing/2014/main" id="{4A5665C2-CF24-4FDD-8E12-177E5A331057}"/>
               </a:ext>
             </a:extLst>
           </p:cNvPr>
@@ -5774,7 +6420,7 @@
         </p:nvSpPr>
         <p:spPr>
           <a:xfrm>
-            <a:off x="1829665" y="812799"/>
+            <a:off x="1829666" y="812801"/>
             <a:ext cx="4132221" cy="3517901"/>
           </a:xfrm>
         </p:spPr>
@@ -5786,7 +6432,7 @@
           <a:p>
             <a:pPr algn="r"/>
             <a:r>
-              <a:rPr lang="en-GB" sz="5400" dirty="0" smtClean="0">
+              <a:rPr lang="en-GB" sz="5400" dirty="0">
                 <a:solidFill>
                   <a:schemeClr val="tx1">
                     <a:lumMod val="75000"/>
@@ -5815,7 +6461,7 @@
           <p:cNvPr id="5" name="Subtitle 4">
             <a:extLst>
               <a:ext uri="{FF2B5EF4-FFF2-40B4-BE49-F238E27FC236}">
-                <a16:creationId xmlns:a16="http://schemas.microsoft.com/office/drawing/2014/main" xmlns="" id="{F2B8D1D6-6B10-4E3F-8851-D9CEDDB13C4C}"/>
+                <a16:creationId xmlns="" xmlns:a16="http://schemas.microsoft.com/office/drawing/2014/main" id="{F2B8D1D6-6B10-4E3F-8851-D9CEDDB13C4C}"/>
               </a:ext>
             </a:extLst>
           </p:cNvPr>
@@ -5828,7 +6474,7 @@
         </p:nvSpPr>
         <p:spPr>
           <a:xfrm>
-            <a:off x="5892292" y="812799"/>
+            <a:off x="5892294" y="812801"/>
             <a:ext cx="2630741" cy="3517901"/>
           </a:xfrm>
         </p:spPr>
@@ -5850,7 +6496,7 @@
               <a:t>Continuous </a:t>
             </a:r>
             <a:r>
-              <a:rPr lang="en-GB" sz="2100" dirty="0" smtClean="0">
+              <a:rPr lang="en-GB" sz="2100" dirty="0">
                 <a:solidFill>
                   <a:schemeClr val="tx1">
                     <a:lumMod val="75000"/>
@@ -6116,7 +6762,7 @@
   <a:extraClrSchemeLst/>
   <a:extLst>
     <a:ext uri="{05A4C25C-085E-4340-85A3-A5531E510DB2}">
-      <thm15:themeFamily xmlns:thm15="http://schemas.microsoft.com/office/thememl/2012/main" xmlns="" name="Frame" id="{F226E7A2-7162-461C-9490-D27D9DC04E43}" vid="{629A0216-3BBD-45C0-B63F-2683BEA18F60}"/>
+      <thm15:themeFamily xmlns="" xmlns:thm15="http://schemas.microsoft.com/office/thememl/2012/main" name="Frame" id="{F226E7A2-7162-461C-9490-D27D9DC04E43}" vid="{629A0216-3BBD-45C0-B63F-2683BEA18F60}"/>
     </a:ext>
   </a:extLst>
 </a:theme>
